--- a/WALKCAP-APS-PPT-01-01 APS.WALKCAP®高级计划与排程软件需求分析 第1讲 工艺路线.pptx
+++ b/WALKCAP-APS-PPT-01-01 APS.WALKCAP®高级计划与排程软件需求分析 第1讲 工艺路线.pptx
@@ -5,7 +5,7 @@
     <p:sldMasterId id="2147483672" r:id="rId1"/>
   </p:sldMasterIdLst>
   <p:notesMasterIdLst>
-    <p:notesMasterId r:id="rId11"/>
+    <p:notesMasterId r:id="rId15"/>
   </p:notesMasterIdLst>
   <p:sldIdLst>
     <p:sldId id="11089519" r:id="rId2"/>
@@ -14,9 +14,13 @@
     <p:sldId id="11089522" r:id="rId5"/>
     <p:sldId id="11089523" r:id="rId6"/>
     <p:sldId id="11089525" r:id="rId7"/>
-    <p:sldId id="11089526" r:id="rId8"/>
-    <p:sldId id="11089527" r:id="rId9"/>
-    <p:sldId id="266" r:id="rId10"/>
+    <p:sldId id="11089530" r:id="rId8"/>
+    <p:sldId id="11089531" r:id="rId9"/>
+    <p:sldId id="11089526" r:id="rId10"/>
+    <p:sldId id="11089527" r:id="rId11"/>
+    <p:sldId id="11089532" r:id="rId12"/>
+    <p:sldId id="266" r:id="rId13"/>
+    <p:sldId id="11089528" r:id="rId14"/>
   </p:sldIdLst>
   <p:sldSz cx="12192000" cy="6858000"/>
   <p:notesSz cx="6858000" cy="9144000"/>
@@ -3614,7 +3618,7 @@
                 <a:latin typeface="SimHei" panose="02010609060101010101" pitchFamily="49" charset="-122"/>
                 <a:ea typeface="SimHei" panose="02010609060101010101" pitchFamily="49" charset="-122"/>
               </a:rPr>
-              <a:t> </a:t>
+              <a:t> APS</a:t>
             </a:r>
             <a:r>
               <a:rPr kumimoji="1" lang="zh-CN" altLang="en-US" sz="3600" b="1" dirty="0">
@@ -3842,7 +3846,7 @@
                 <a:latin typeface="FangSong" panose="02010609060101010101" pitchFamily="49" charset="-122"/>
                 <a:ea typeface="FangSong" panose="02010609060101010101" pitchFamily="49" charset="-122"/>
               </a:rPr>
-              <a:t>V0.0.1</a:t>
+              <a:t>V0.0.2</a:t>
             </a:r>
             <a:r>
               <a:rPr kumimoji="1" lang="zh-CN" altLang="en-US" dirty="0">
@@ -3856,7 +3860,7 @@
                 <a:latin typeface="FangSong" panose="02010609060101010101" pitchFamily="49" charset="-122"/>
                 <a:ea typeface="FangSong" panose="02010609060101010101" pitchFamily="49" charset="-122"/>
               </a:rPr>
-              <a:t>Ver. 2023081601</a:t>
+              <a:t>Ver. 2023081801</a:t>
             </a:r>
             <a:r>
               <a:rPr kumimoji="1" lang="zh-CN" altLang="en-US" dirty="0">
@@ -3988,843 +3992,7 @@
 </p:sld>
 </file>
 
-<file path=ppt/slides/slide2.xml><?xml version="1.0" encoding="utf-8"?>
-<p:sld xmlns:a="http://schemas.openxmlformats.org/drawingml/2006/main" xmlns:r="http://schemas.openxmlformats.org/officeDocument/2006/relationships" xmlns:p="http://schemas.openxmlformats.org/presentationml/2006/main">
-  <p:cSld>
-    <p:spTree>
-      <p:nvGrpSpPr>
-        <p:cNvPr id="1" name=""/>
-        <p:cNvGrpSpPr/>
-        <p:nvPr/>
-      </p:nvGrpSpPr>
-      <p:grpSpPr>
-        <a:xfrm>
-          <a:off x="0" y="0"/>
-          <a:ext cx="0" cy="0"/>
-          <a:chOff x="0" y="0"/>
-          <a:chExt cx="0" cy="0"/>
-        </a:xfrm>
-      </p:grpSpPr>
-      <p:sp>
-        <p:nvSpPr>
-          <p:cNvPr id="2" name="标题 1">
-            <a:extLst>
-              <a:ext uri="{FF2B5EF4-FFF2-40B4-BE49-F238E27FC236}">
-                <a16:creationId xmlns:a16="http://schemas.microsoft.com/office/drawing/2014/main" id="{6474F709-F8CA-2FD7-3B6A-3F49B33FBC55}"/>
-              </a:ext>
-            </a:extLst>
-          </p:cNvPr>
-          <p:cNvSpPr>
-            <a:spLocks noGrp="1"/>
-          </p:cNvSpPr>
-          <p:nvPr>
-            <p:ph type="title"/>
-          </p:nvPr>
-        </p:nvSpPr>
-        <p:spPr/>
-        <p:txBody>
-          <a:bodyPr/>
-          <a:lstStyle/>
-          <a:p>
-            <a:r>
-              <a:rPr kumimoji="1" lang="zh-CN" altLang="en-US" dirty="0"/>
-              <a:t>定义</a:t>
-            </a:r>
-          </a:p>
-        </p:txBody>
-      </p:sp>
-      <p:sp>
-        <p:nvSpPr>
-          <p:cNvPr id="3" name="内容占位符 2">
-            <a:extLst>
-              <a:ext uri="{FF2B5EF4-FFF2-40B4-BE49-F238E27FC236}">
-                <a16:creationId xmlns:a16="http://schemas.microsoft.com/office/drawing/2014/main" id="{D078C383-AB01-D4CD-D455-DE695A1EF733}"/>
-              </a:ext>
-            </a:extLst>
-          </p:cNvPr>
-          <p:cNvSpPr>
-            <a:spLocks noGrp="1"/>
-          </p:cNvSpPr>
-          <p:nvPr>
-            <p:ph idx="1"/>
-          </p:nvPr>
-        </p:nvSpPr>
-        <p:spPr/>
-        <p:txBody>
-          <a:bodyPr/>
-          <a:lstStyle/>
-          <a:p>
-            <a:pPr marL="0" indent="0">
-              <a:buNone/>
-            </a:pPr>
-            <a:r>
-              <a:rPr kumimoji="1" lang="zh-CN" altLang="en-US" sz="2800" dirty="0">
-                <a:latin typeface="SimHei" panose="02010609060101010101" pitchFamily="49" charset="-122"/>
-                <a:ea typeface="SimHei" panose="02010609060101010101" pitchFamily="49" charset="-122"/>
-              </a:rPr>
-              <a:t>工艺路线（</a:t>
-            </a:r>
-            <a:r>
-              <a:rPr kumimoji="1" lang="en-US" altLang="zh-CN" sz="2800" dirty="0">
-                <a:latin typeface="SimHei" panose="02010609060101010101" pitchFamily="49" charset="-122"/>
-                <a:ea typeface="SimHei" panose="02010609060101010101" pitchFamily="49" charset="-122"/>
-              </a:rPr>
-              <a:t>Routing</a:t>
-            </a:r>
-            <a:r>
-              <a:rPr kumimoji="1" lang="zh-CN" altLang="en-US" sz="2800" dirty="0">
-                <a:latin typeface="SimHei" panose="02010609060101010101" pitchFamily="49" charset="-122"/>
-                <a:ea typeface="SimHei" panose="02010609060101010101" pitchFamily="49" charset="-122"/>
-              </a:rPr>
-              <a:t>）是描述所有物料的制造流程。</a:t>
-            </a:r>
-            <a:endParaRPr kumimoji="1" lang="en-US" altLang="zh-CN" sz="2800" dirty="0">
-              <a:latin typeface="SimHei" panose="02010609060101010101" pitchFamily="49" charset="-122"/>
-              <a:ea typeface="SimHei" panose="02010609060101010101" pitchFamily="49" charset="-122"/>
-            </a:endParaRPr>
-          </a:p>
-          <a:p>
-            <a:r>
-              <a:rPr kumimoji="1" lang="zh-CN" altLang="en-US" sz="2800" dirty="0">
-                <a:latin typeface="SimHei" panose="02010609060101010101" pitchFamily="49" charset="-122"/>
-                <a:ea typeface="SimHei" panose="02010609060101010101" pitchFamily="49" charset="-122"/>
-              </a:rPr>
-              <a:t>每个物料（除原料）有一条或多条工艺路线。</a:t>
-            </a:r>
-            <a:endParaRPr kumimoji="1" lang="en-US" altLang="zh-CN" sz="2800" dirty="0">
-              <a:latin typeface="SimHei" panose="02010609060101010101" pitchFamily="49" charset="-122"/>
-              <a:ea typeface="SimHei" panose="02010609060101010101" pitchFamily="49" charset="-122"/>
-            </a:endParaRPr>
-          </a:p>
-          <a:p>
-            <a:r>
-              <a:rPr kumimoji="1" lang="zh-CN" altLang="en-US" sz="2800" dirty="0">
-                <a:latin typeface="SimHei" panose="02010609060101010101" pitchFamily="49" charset="-122"/>
-                <a:ea typeface="SimHei" panose="02010609060101010101" pitchFamily="49" charset="-122"/>
-              </a:rPr>
-              <a:t>每条工艺路线由多道工序顺序连接而成。</a:t>
-            </a:r>
-            <a:endParaRPr kumimoji="1" lang="en-US" altLang="zh-CN" sz="2800" dirty="0">
-              <a:latin typeface="SimHei" panose="02010609060101010101" pitchFamily="49" charset="-122"/>
-              <a:ea typeface="SimHei" panose="02010609060101010101" pitchFamily="49" charset="-122"/>
-            </a:endParaRPr>
-          </a:p>
-          <a:p>
-            <a:r>
-              <a:rPr kumimoji="1" lang="zh-CN" altLang="en-US" sz="2800" dirty="0">
-                <a:latin typeface="SimHei" panose="02010609060101010101" pitchFamily="49" charset="-122"/>
-                <a:ea typeface="SimHei" panose="02010609060101010101" pitchFamily="49" charset="-122"/>
-              </a:rPr>
-              <a:t>每道工序由投料、加工、产出三个步骤组成。</a:t>
-            </a:r>
-            <a:endParaRPr kumimoji="1" lang="en-US" altLang="zh-CN" sz="2800" dirty="0"/>
-          </a:p>
-          <a:p>
-            <a:endParaRPr kumimoji="1" lang="zh-CN" altLang="en-US" dirty="0"/>
-          </a:p>
-        </p:txBody>
-      </p:sp>
-    </p:spTree>
-    <p:extLst>
-      <p:ext uri="{BB962C8B-B14F-4D97-AF65-F5344CB8AC3E}">
-        <p14:creationId xmlns:p14="http://schemas.microsoft.com/office/powerpoint/2010/main" val="2498284359"/>
-      </p:ext>
-    </p:extLst>
-  </p:cSld>
-  <p:clrMapOvr>
-    <a:masterClrMapping/>
-  </p:clrMapOvr>
-</p:sld>
-</file>
-
-<file path=ppt/slides/slide3.xml><?xml version="1.0" encoding="utf-8"?>
-<p:sld xmlns:a="http://schemas.openxmlformats.org/drawingml/2006/main" xmlns:r="http://schemas.openxmlformats.org/officeDocument/2006/relationships" xmlns:p="http://schemas.openxmlformats.org/presentationml/2006/main">
-  <p:cSld>
-    <p:spTree>
-      <p:nvGrpSpPr>
-        <p:cNvPr id="1" name=""/>
-        <p:cNvGrpSpPr/>
-        <p:nvPr/>
-      </p:nvGrpSpPr>
-      <p:grpSpPr>
-        <a:xfrm>
-          <a:off x="0" y="0"/>
-          <a:ext cx="0" cy="0"/>
-          <a:chOff x="0" y="0"/>
-          <a:chExt cx="0" cy="0"/>
-        </a:xfrm>
-      </p:grpSpPr>
-      <p:sp>
-        <p:nvSpPr>
-          <p:cNvPr id="5" name="标题 1">
-            <a:extLst>
-              <a:ext uri="{FF2B5EF4-FFF2-40B4-BE49-F238E27FC236}">
-                <a16:creationId xmlns:a16="http://schemas.microsoft.com/office/drawing/2014/main" id="{B17A3DDA-8E55-3C02-4A63-AA1B17586B7F}"/>
-              </a:ext>
-            </a:extLst>
-          </p:cNvPr>
-          <p:cNvSpPr>
-            <a:spLocks noGrp="1"/>
-          </p:cNvSpPr>
-          <p:nvPr>
-            <p:ph type="title"/>
-          </p:nvPr>
-        </p:nvSpPr>
-        <p:spPr>
-          <a:xfrm>
-            <a:off x="455944" y="268623"/>
-            <a:ext cx="10515600" cy="527760"/>
-          </a:xfrm>
-        </p:spPr>
-        <p:txBody>
-          <a:bodyPr>
-            <a:normAutofit fontScale="90000"/>
-          </a:bodyPr>
-          <a:lstStyle/>
-          <a:p>
-            <a:r>
-              <a:rPr kumimoji="1" lang="zh-CN" altLang="en-US" dirty="0"/>
-              <a:t>原理图</a:t>
-            </a:r>
-          </a:p>
-        </p:txBody>
-      </p:sp>
-      <p:pic>
-        <p:nvPicPr>
-          <p:cNvPr id="6" name="图片 5">
-            <a:extLst>
-              <a:ext uri="{FF2B5EF4-FFF2-40B4-BE49-F238E27FC236}">
-                <a16:creationId xmlns:a16="http://schemas.microsoft.com/office/drawing/2014/main" id="{075F5461-54B3-8764-4CFE-C47C9984DFD3}"/>
-              </a:ext>
-            </a:extLst>
-          </p:cNvPr>
-          <p:cNvPicPr>
-            <a:picLocks noChangeAspect="1"/>
-          </p:cNvPicPr>
-          <p:nvPr/>
-        </p:nvPicPr>
-        <p:blipFill>
-          <a:blip r:embed="rId2"/>
-          <a:stretch>
-            <a:fillRect/>
-          </a:stretch>
-        </p:blipFill>
-        <p:spPr>
-          <a:xfrm>
-            <a:off x="376933" y="1126341"/>
-            <a:ext cx="11438134" cy="5359258"/>
-          </a:xfrm>
-          <a:prstGeom prst="rect">
-            <a:avLst/>
-          </a:prstGeom>
-        </p:spPr>
-      </p:pic>
-    </p:spTree>
-    <p:extLst>
-      <p:ext uri="{BB962C8B-B14F-4D97-AF65-F5344CB8AC3E}">
-        <p14:creationId xmlns:p14="http://schemas.microsoft.com/office/powerpoint/2010/main" val="3777993244"/>
-      </p:ext>
-    </p:extLst>
-  </p:cSld>
-  <p:clrMapOvr>
-    <a:masterClrMapping/>
-  </p:clrMapOvr>
-</p:sld>
-</file>
-
-<file path=ppt/slides/slide4.xml><?xml version="1.0" encoding="utf-8"?>
-<p:sld xmlns:a="http://schemas.openxmlformats.org/drawingml/2006/main" xmlns:r="http://schemas.openxmlformats.org/officeDocument/2006/relationships" xmlns:p="http://schemas.openxmlformats.org/presentationml/2006/main">
-  <p:cSld>
-    <p:spTree>
-      <p:nvGrpSpPr>
-        <p:cNvPr id="1" name=""/>
-        <p:cNvGrpSpPr/>
-        <p:nvPr/>
-      </p:nvGrpSpPr>
-      <p:grpSpPr>
-        <a:xfrm>
-          <a:off x="0" y="0"/>
-          <a:ext cx="0" cy="0"/>
-          <a:chOff x="0" y="0"/>
-          <a:chExt cx="0" cy="0"/>
-        </a:xfrm>
-      </p:grpSpPr>
-      <p:sp>
-        <p:nvSpPr>
-          <p:cNvPr id="4" name="标题 1">
-            <a:extLst>
-              <a:ext uri="{FF2B5EF4-FFF2-40B4-BE49-F238E27FC236}">
-                <a16:creationId xmlns:a16="http://schemas.microsoft.com/office/drawing/2014/main" id="{E14ED4DF-01EE-7FFE-9097-F68774370D81}"/>
-              </a:ext>
-            </a:extLst>
-          </p:cNvPr>
-          <p:cNvSpPr>
-            <a:spLocks noGrp="1"/>
-          </p:cNvSpPr>
-          <p:nvPr>
-            <p:ph type="title"/>
-          </p:nvPr>
-        </p:nvSpPr>
-        <p:spPr>
-          <a:xfrm>
-            <a:off x="455944" y="268623"/>
-            <a:ext cx="10515600" cy="527760"/>
-          </a:xfrm>
-        </p:spPr>
-        <p:txBody>
-          <a:bodyPr>
-            <a:normAutofit fontScale="90000"/>
-          </a:bodyPr>
-          <a:lstStyle/>
-          <a:p>
-            <a:r>
-              <a:rPr kumimoji="1" lang="zh-CN" altLang="en-US" dirty="0"/>
-              <a:t>工序接续关系</a:t>
-            </a:r>
-          </a:p>
-        </p:txBody>
-      </p:sp>
-      <p:pic>
-        <p:nvPicPr>
-          <p:cNvPr id="5" name="图片 4">
-            <a:extLst>
-              <a:ext uri="{FF2B5EF4-FFF2-40B4-BE49-F238E27FC236}">
-                <a16:creationId xmlns:a16="http://schemas.microsoft.com/office/drawing/2014/main" id="{E08CBC56-357A-2DA2-9D7F-50107A9D4102}"/>
-              </a:ext>
-            </a:extLst>
-          </p:cNvPr>
-          <p:cNvPicPr>
-            <a:picLocks noChangeAspect="1"/>
-          </p:cNvPicPr>
-          <p:nvPr/>
-        </p:nvPicPr>
-        <p:blipFill>
-          <a:blip r:embed="rId2"/>
-          <a:stretch>
-            <a:fillRect/>
-          </a:stretch>
-        </p:blipFill>
-        <p:spPr>
-          <a:xfrm>
-            <a:off x="1167428" y="1438314"/>
-            <a:ext cx="5276284" cy="1990686"/>
-          </a:xfrm>
-          <a:prstGeom prst="rect">
-            <a:avLst/>
-          </a:prstGeom>
-        </p:spPr>
-      </p:pic>
-      <p:sp>
-        <p:nvSpPr>
-          <p:cNvPr id="7" name="文本框 6">
-            <a:extLst>
-              <a:ext uri="{FF2B5EF4-FFF2-40B4-BE49-F238E27FC236}">
-                <a16:creationId xmlns:a16="http://schemas.microsoft.com/office/drawing/2014/main" id="{1749CFEF-6146-920A-C31F-537540FF54BF}"/>
-              </a:ext>
-            </a:extLst>
-          </p:cNvPr>
-          <p:cNvSpPr txBox="1"/>
-          <p:nvPr/>
-        </p:nvSpPr>
-        <p:spPr>
-          <a:xfrm>
-            <a:off x="7535732" y="1824074"/>
-            <a:ext cx="4222376" cy="923330"/>
-          </a:xfrm>
-          <a:prstGeom prst="rect">
-            <a:avLst/>
-          </a:prstGeom>
-          <a:noFill/>
-        </p:spPr>
-        <p:txBody>
-          <a:bodyPr wrap="square">
-            <a:spAutoFit/>
-          </a:bodyPr>
-          <a:lstStyle/>
-          <a:p>
-            <a:r>
-              <a:rPr lang="en" altLang="zh-CN" dirty="0">
-                <a:effectLst/>
-                <a:latin typeface="Calibri" panose="020F0502020204030204" pitchFamily="34" charset="0"/>
-              </a:rPr>
-              <a:t>ES: End Start</a:t>
-            </a:r>
-          </a:p>
-          <a:p>
-            <a:r>
-              <a:rPr lang="zh-CN" altLang="en" dirty="0">
-                <a:effectLst/>
-                <a:latin typeface="Helvetica" pitchFamily="2" charset="0"/>
-              </a:rPr>
-              <a:t>（</a:t>
-            </a:r>
-            <a:r>
-              <a:rPr lang="en" altLang="zh-CN" dirty="0">
-                <a:effectLst/>
-                <a:latin typeface="Calibri" panose="020F0502020204030204" pitchFamily="34" charset="0"/>
-              </a:rPr>
-              <a:t>1</a:t>
-            </a:r>
-            <a:r>
-              <a:rPr lang="zh-CN" altLang="en" dirty="0">
-                <a:effectLst/>
-                <a:latin typeface="Helvetica" pitchFamily="2" charset="0"/>
-              </a:rPr>
-              <a:t>）</a:t>
-            </a:r>
-            <a:r>
-              <a:rPr lang="zh-CN" altLang="en-US" dirty="0">
-                <a:effectLst/>
-                <a:latin typeface="Helvetica" pitchFamily="2" charset="0"/>
-              </a:rPr>
-              <a:t>说明：前工序结束后，后工序开始</a:t>
-            </a:r>
-          </a:p>
-          <a:p>
-            <a:r>
-              <a:rPr lang="zh-CN" altLang="en-US" dirty="0">
-                <a:effectLst/>
-                <a:latin typeface="Helvetica" pitchFamily="2" charset="0"/>
-              </a:rPr>
-              <a:t>（</a:t>
-            </a:r>
-            <a:r>
-              <a:rPr lang="en-US" altLang="zh-CN" dirty="0">
-                <a:effectLst/>
-                <a:latin typeface="Calibri" panose="020F0502020204030204" pitchFamily="34" charset="0"/>
-              </a:rPr>
-              <a:t>2</a:t>
-            </a:r>
-            <a:r>
-              <a:rPr lang="zh-CN" altLang="en-US" dirty="0">
-                <a:effectLst/>
-                <a:latin typeface="Helvetica" pitchFamily="2" charset="0"/>
-              </a:rPr>
-              <a:t>）方向：向右分派</a:t>
-            </a:r>
-          </a:p>
-        </p:txBody>
-      </p:sp>
-      <p:pic>
-        <p:nvPicPr>
-          <p:cNvPr id="8" name="图片 7">
-            <a:extLst>
-              <a:ext uri="{FF2B5EF4-FFF2-40B4-BE49-F238E27FC236}">
-                <a16:creationId xmlns:a16="http://schemas.microsoft.com/office/drawing/2014/main" id="{2D10BFC3-0E01-A34D-BA7B-DF0A7E906B44}"/>
-              </a:ext>
-            </a:extLst>
-          </p:cNvPr>
-          <p:cNvPicPr>
-            <a:picLocks noChangeAspect="1"/>
-          </p:cNvPicPr>
-          <p:nvPr/>
-        </p:nvPicPr>
-        <p:blipFill>
-          <a:blip r:embed="rId3"/>
-          <a:stretch>
-            <a:fillRect/>
-          </a:stretch>
-        </p:blipFill>
-        <p:spPr>
-          <a:xfrm>
-            <a:off x="1920464" y="3973455"/>
-            <a:ext cx="3157146" cy="2039399"/>
-          </a:xfrm>
-          <a:prstGeom prst="rect">
-            <a:avLst/>
-          </a:prstGeom>
-        </p:spPr>
-      </p:pic>
-      <p:sp>
-        <p:nvSpPr>
-          <p:cNvPr id="10" name="文本框 9">
-            <a:extLst>
-              <a:ext uri="{FF2B5EF4-FFF2-40B4-BE49-F238E27FC236}">
-                <a16:creationId xmlns:a16="http://schemas.microsoft.com/office/drawing/2014/main" id="{499E1067-3E1A-C679-4553-4E07D8C6061F}"/>
-              </a:ext>
-            </a:extLst>
-          </p:cNvPr>
-          <p:cNvSpPr txBox="1"/>
-          <p:nvPr/>
-        </p:nvSpPr>
-        <p:spPr>
-          <a:xfrm>
-            <a:off x="7535732" y="4531490"/>
-            <a:ext cx="4222376" cy="923330"/>
-          </a:xfrm>
-          <a:prstGeom prst="rect">
-            <a:avLst/>
-          </a:prstGeom>
-          <a:noFill/>
-        </p:spPr>
-        <p:txBody>
-          <a:bodyPr wrap="square">
-            <a:spAutoFit/>
-          </a:bodyPr>
-          <a:lstStyle/>
-          <a:p>
-            <a:r>
-              <a:rPr lang="en" altLang="zh-CN" dirty="0">
-                <a:effectLst/>
-                <a:latin typeface="Calibri" panose="020F0502020204030204" pitchFamily="34" charset="0"/>
-              </a:rPr>
-              <a:t>SS: Start Start</a:t>
-            </a:r>
-          </a:p>
-          <a:p>
-            <a:r>
-              <a:rPr lang="zh-CN" altLang="en" dirty="0">
-                <a:effectLst/>
-                <a:latin typeface="Helvetica" pitchFamily="2" charset="0"/>
-              </a:rPr>
-              <a:t>（</a:t>
-            </a:r>
-            <a:r>
-              <a:rPr lang="en" altLang="zh-CN" dirty="0">
-                <a:effectLst/>
-                <a:latin typeface="Calibri" panose="020F0502020204030204" pitchFamily="34" charset="0"/>
-              </a:rPr>
-              <a:t>1</a:t>
-            </a:r>
-            <a:r>
-              <a:rPr lang="zh-CN" altLang="en" dirty="0">
-                <a:effectLst/>
-                <a:latin typeface="Helvetica" pitchFamily="2" charset="0"/>
-              </a:rPr>
-              <a:t>）</a:t>
-            </a:r>
-            <a:r>
-              <a:rPr lang="zh-CN" altLang="en-US" dirty="0">
-                <a:effectLst/>
-                <a:latin typeface="Helvetica" pitchFamily="2" charset="0"/>
-              </a:rPr>
-              <a:t>说明：前后工序一起开始</a:t>
-            </a:r>
-          </a:p>
-          <a:p>
-            <a:r>
-              <a:rPr lang="zh-CN" altLang="en-US" dirty="0">
-                <a:effectLst/>
-                <a:latin typeface="Helvetica" pitchFamily="2" charset="0"/>
-              </a:rPr>
-              <a:t>（</a:t>
-            </a:r>
-            <a:r>
-              <a:rPr lang="en-US" altLang="zh-CN" dirty="0">
-                <a:effectLst/>
-                <a:latin typeface="Calibri" panose="020F0502020204030204" pitchFamily="34" charset="0"/>
-              </a:rPr>
-              <a:t>2</a:t>
-            </a:r>
-            <a:r>
-              <a:rPr lang="zh-CN" altLang="en-US" dirty="0">
-                <a:effectLst/>
-                <a:latin typeface="Helvetica" pitchFamily="2" charset="0"/>
-              </a:rPr>
-              <a:t>）方向：向右分派</a:t>
-            </a:r>
-          </a:p>
-        </p:txBody>
-      </p:sp>
-    </p:spTree>
-    <p:extLst>
-      <p:ext uri="{BB962C8B-B14F-4D97-AF65-F5344CB8AC3E}">
-        <p14:creationId xmlns:p14="http://schemas.microsoft.com/office/powerpoint/2010/main" val="927865551"/>
-      </p:ext>
-    </p:extLst>
-  </p:cSld>
-  <p:clrMapOvr>
-    <a:masterClrMapping/>
-  </p:clrMapOvr>
-</p:sld>
-</file>
-
-<file path=ppt/slides/slide5.xml><?xml version="1.0" encoding="utf-8"?>
-<p:sld xmlns:a="http://schemas.openxmlformats.org/drawingml/2006/main" xmlns:r="http://schemas.openxmlformats.org/officeDocument/2006/relationships" xmlns:p="http://schemas.openxmlformats.org/presentationml/2006/main">
-  <p:cSld>
-    <p:spTree>
-      <p:nvGrpSpPr>
-        <p:cNvPr id="1" name=""/>
-        <p:cNvGrpSpPr/>
-        <p:nvPr/>
-      </p:nvGrpSpPr>
-      <p:grpSpPr>
-        <a:xfrm>
-          <a:off x="0" y="0"/>
-          <a:ext cx="0" cy="0"/>
-          <a:chOff x="0" y="0"/>
-          <a:chExt cx="0" cy="0"/>
-        </a:xfrm>
-      </p:grpSpPr>
-      <p:pic>
-        <p:nvPicPr>
-          <p:cNvPr id="4" name="图片 3">
-            <a:extLst>
-              <a:ext uri="{FF2B5EF4-FFF2-40B4-BE49-F238E27FC236}">
-                <a16:creationId xmlns:a16="http://schemas.microsoft.com/office/drawing/2014/main" id="{FB857376-4871-310B-1EB2-0FF4AACBB8C5}"/>
-              </a:ext>
-            </a:extLst>
-          </p:cNvPr>
-          <p:cNvPicPr>
-            <a:picLocks noChangeAspect="1"/>
-          </p:cNvPicPr>
-          <p:nvPr/>
-        </p:nvPicPr>
-        <p:blipFill>
-          <a:blip r:embed="rId2"/>
-          <a:stretch>
-            <a:fillRect/>
-          </a:stretch>
-        </p:blipFill>
-        <p:spPr>
-          <a:xfrm>
-            <a:off x="1659082" y="2212601"/>
-            <a:ext cx="8109323" cy="2432797"/>
-          </a:xfrm>
-          <a:prstGeom prst="rect">
-            <a:avLst/>
-          </a:prstGeom>
-        </p:spPr>
-      </p:pic>
-      <p:sp>
-        <p:nvSpPr>
-          <p:cNvPr id="5" name="标题 1">
-            <a:extLst>
-              <a:ext uri="{FF2B5EF4-FFF2-40B4-BE49-F238E27FC236}">
-                <a16:creationId xmlns:a16="http://schemas.microsoft.com/office/drawing/2014/main" id="{D0F30FEF-E699-C6E2-4BB2-9D8B6B92A922}"/>
-              </a:ext>
-            </a:extLst>
-          </p:cNvPr>
-          <p:cNvSpPr>
-            <a:spLocks noGrp="1"/>
-          </p:cNvSpPr>
-          <p:nvPr>
-            <p:ph type="title"/>
-          </p:nvPr>
-        </p:nvSpPr>
-        <p:spPr>
-          <a:xfrm>
-            <a:off x="455944" y="268623"/>
-            <a:ext cx="10515600" cy="527760"/>
-          </a:xfrm>
-        </p:spPr>
-        <p:txBody>
-          <a:bodyPr>
-            <a:normAutofit fontScale="90000"/>
-          </a:bodyPr>
-          <a:lstStyle/>
-          <a:p>
-            <a:r>
-              <a:rPr kumimoji="1" lang="zh-CN" altLang="en-US" dirty="0"/>
-              <a:t>工序转移时间</a:t>
-            </a:r>
-          </a:p>
-        </p:txBody>
-      </p:sp>
-    </p:spTree>
-    <p:extLst>
-      <p:ext uri="{BB962C8B-B14F-4D97-AF65-F5344CB8AC3E}">
-        <p14:creationId xmlns:p14="http://schemas.microsoft.com/office/powerpoint/2010/main" val="687132686"/>
-      </p:ext>
-    </p:extLst>
-  </p:cSld>
-  <p:clrMapOvr>
-    <a:masterClrMapping/>
-  </p:clrMapOvr>
-</p:sld>
-</file>
-
-<file path=ppt/slides/slide6.xml><?xml version="1.0" encoding="utf-8"?>
-<p:sld xmlns:a="http://schemas.openxmlformats.org/drawingml/2006/main" xmlns:r="http://schemas.openxmlformats.org/officeDocument/2006/relationships" xmlns:p="http://schemas.openxmlformats.org/presentationml/2006/main">
-  <p:cSld>
-    <p:spTree>
-      <p:nvGrpSpPr>
-        <p:cNvPr id="1" name=""/>
-        <p:cNvGrpSpPr/>
-        <p:nvPr/>
-      </p:nvGrpSpPr>
-      <p:grpSpPr>
-        <a:xfrm>
-          <a:off x="0" y="0"/>
-          <a:ext cx="0" cy="0"/>
-          <a:chOff x="0" y="0"/>
-          <a:chExt cx="0" cy="0"/>
-        </a:xfrm>
-      </p:grpSpPr>
-      <p:sp>
-        <p:nvSpPr>
-          <p:cNvPr id="5" name="标题 1">
-            <a:extLst>
-              <a:ext uri="{FF2B5EF4-FFF2-40B4-BE49-F238E27FC236}">
-                <a16:creationId xmlns:a16="http://schemas.microsoft.com/office/drawing/2014/main" id="{D0F30FEF-E699-C6E2-4BB2-9D8B6B92A922}"/>
-              </a:ext>
-            </a:extLst>
-          </p:cNvPr>
-          <p:cNvSpPr>
-            <a:spLocks noGrp="1"/>
-          </p:cNvSpPr>
-          <p:nvPr>
-            <p:ph type="title"/>
-          </p:nvPr>
-        </p:nvSpPr>
-        <p:spPr>
-          <a:xfrm>
-            <a:off x="455944" y="268623"/>
-            <a:ext cx="10515600" cy="527760"/>
-          </a:xfrm>
-        </p:spPr>
-        <p:txBody>
-          <a:bodyPr>
-            <a:normAutofit fontScale="90000"/>
-          </a:bodyPr>
-          <a:lstStyle/>
-          <a:p>
-            <a:r>
-              <a:rPr kumimoji="1" lang="zh-CN" altLang="en-US" dirty="0"/>
-              <a:t>工序基准时间</a:t>
-            </a:r>
-          </a:p>
-        </p:txBody>
-      </p:sp>
-      <p:pic>
-        <p:nvPicPr>
-          <p:cNvPr id="7" name="图片 6">
-            <a:extLst>
-              <a:ext uri="{FF2B5EF4-FFF2-40B4-BE49-F238E27FC236}">
-                <a16:creationId xmlns:a16="http://schemas.microsoft.com/office/drawing/2014/main" id="{083891EB-9A1C-AF6E-CBAA-6BC59A95D33E}"/>
-              </a:ext>
-            </a:extLst>
-          </p:cNvPr>
-          <p:cNvPicPr>
-            <a:picLocks noChangeAspect="1"/>
-          </p:cNvPicPr>
-          <p:nvPr/>
-        </p:nvPicPr>
-        <p:blipFill>
-          <a:blip r:embed="rId2"/>
-          <a:stretch>
-            <a:fillRect/>
-          </a:stretch>
-        </p:blipFill>
-        <p:spPr>
-          <a:xfrm>
-            <a:off x="2413522" y="1044059"/>
-            <a:ext cx="7698665" cy="5685168"/>
-          </a:xfrm>
-          <a:prstGeom prst="rect">
-            <a:avLst/>
-          </a:prstGeom>
-        </p:spPr>
-      </p:pic>
-    </p:spTree>
-    <p:extLst>
-      <p:ext uri="{BB962C8B-B14F-4D97-AF65-F5344CB8AC3E}">
-        <p14:creationId xmlns:p14="http://schemas.microsoft.com/office/powerpoint/2010/main" val="620224155"/>
-      </p:ext>
-    </p:extLst>
-  </p:cSld>
-  <p:clrMapOvr>
-    <a:masterClrMapping/>
-  </p:clrMapOvr>
-</p:sld>
-</file>
-
-<file path=ppt/slides/slide7.xml><?xml version="1.0" encoding="utf-8"?>
-<p:sld xmlns:a="http://schemas.openxmlformats.org/drawingml/2006/main" xmlns:r="http://schemas.openxmlformats.org/officeDocument/2006/relationships" xmlns:p="http://schemas.openxmlformats.org/presentationml/2006/main">
-  <p:cSld>
-    <p:spTree>
-      <p:nvGrpSpPr>
-        <p:cNvPr id="1" name=""/>
-        <p:cNvGrpSpPr/>
-        <p:nvPr/>
-      </p:nvGrpSpPr>
-      <p:grpSpPr>
-        <a:xfrm>
-          <a:off x="0" y="0"/>
-          <a:ext cx="0" cy="0"/>
-          <a:chOff x="0" y="0"/>
-          <a:chExt cx="0" cy="0"/>
-        </a:xfrm>
-      </p:grpSpPr>
-      <p:sp>
-        <p:nvSpPr>
-          <p:cNvPr id="5" name="标题 1">
-            <a:extLst>
-              <a:ext uri="{FF2B5EF4-FFF2-40B4-BE49-F238E27FC236}">
-                <a16:creationId xmlns:a16="http://schemas.microsoft.com/office/drawing/2014/main" id="{5D5A9E28-DEE2-2743-FACD-616953737AFD}"/>
-              </a:ext>
-            </a:extLst>
-          </p:cNvPr>
-          <p:cNvSpPr>
-            <a:spLocks noGrp="1"/>
-          </p:cNvSpPr>
-          <p:nvPr>
-            <p:ph type="title"/>
-          </p:nvPr>
-        </p:nvSpPr>
-        <p:spPr>
-          <a:xfrm>
-            <a:off x="455944" y="268623"/>
-            <a:ext cx="10515600" cy="527760"/>
-          </a:xfrm>
-        </p:spPr>
-        <p:txBody>
-          <a:bodyPr>
-            <a:normAutofit fontScale="90000"/>
-          </a:bodyPr>
-          <a:lstStyle/>
-          <a:p>
-            <a:r>
-              <a:rPr kumimoji="1" lang="zh-CN" altLang="en-US" dirty="0"/>
-              <a:t>工序路线实例</a:t>
-            </a:r>
-          </a:p>
-        </p:txBody>
-      </p:sp>
-      <p:pic>
-        <p:nvPicPr>
-          <p:cNvPr id="54" name="图片 53">
-            <a:extLst>
-              <a:ext uri="{FF2B5EF4-FFF2-40B4-BE49-F238E27FC236}">
-                <a16:creationId xmlns:a16="http://schemas.microsoft.com/office/drawing/2014/main" id="{9E4083FB-C524-265C-7FC0-5EBB038FA362}"/>
-              </a:ext>
-            </a:extLst>
-          </p:cNvPr>
-          <p:cNvPicPr>
-            <a:picLocks noChangeAspect="1"/>
-          </p:cNvPicPr>
-          <p:nvPr/>
-        </p:nvPicPr>
-        <p:blipFill>
-          <a:blip r:embed="rId2"/>
-          <a:stretch>
-            <a:fillRect/>
-          </a:stretch>
-        </p:blipFill>
-        <p:spPr>
-          <a:xfrm>
-            <a:off x="562773" y="1204028"/>
-            <a:ext cx="11066454" cy="5049271"/>
-          </a:xfrm>
-          <a:prstGeom prst="rect">
-            <a:avLst/>
-          </a:prstGeom>
-        </p:spPr>
-      </p:pic>
-    </p:spTree>
-    <p:extLst>
-      <p:ext uri="{BB962C8B-B14F-4D97-AF65-F5344CB8AC3E}">
-        <p14:creationId xmlns:p14="http://schemas.microsoft.com/office/powerpoint/2010/main" val="4075101243"/>
-      </p:ext>
-    </p:extLst>
-  </p:cSld>
-  <p:clrMapOvr>
-    <a:masterClrMapping/>
-  </p:clrMapOvr>
-</p:sld>
-</file>
-
-<file path=ppt/slides/slide8.xml><?xml version="1.0" encoding="utf-8"?>
+<file path=ppt/slides/slide10.xml><?xml version="1.0" encoding="utf-8"?>
 <p:sld xmlns:a="http://schemas.openxmlformats.org/drawingml/2006/main" xmlns:r="http://schemas.openxmlformats.org/officeDocument/2006/relationships" xmlns:p="http://schemas.openxmlformats.org/presentationml/2006/main">
   <p:cSld>
     <p:spTree>
@@ -4856,7 +4024,7 @@
           <p:nvPr>
             <p:extLst>
               <p:ext uri="{D42A27DB-BD31-4B8C-83A1-F6EECF244321}">
-                <p14:modId xmlns:p14="http://schemas.microsoft.com/office/powerpoint/2010/main" val="1517140258"/>
+                <p14:modId xmlns:p14="http://schemas.microsoft.com/office/powerpoint/2010/main" val="339728452"/>
               </p:ext>
             </p:extLst>
           </p:nvPr>
@@ -5433,18 +4601,17 @@
                         </a:lnSpc>
                       </a:pPr>
                       <a:r>
-                        <a:rPr lang="zh-CN" sz="1400" kern="0">
+                        <a:rPr lang="zh-CN" altLang="en-US" sz="1400" kern="0" dirty="0">
                           <a:solidFill>
                             <a:srgbClr val="000000"/>
                           </a:solidFill>
                           <a:effectLst/>
                           <a:latin typeface="Times New Roman" panose="02020603050405020304" pitchFamily="18" charset="0"/>
                           <a:ea typeface="DengXian" panose="02010600030101010101" pitchFamily="2" charset="-122"/>
-                          <a:cs typeface="宋体" panose="02010600030101010101" pitchFamily="2" charset="-122"/>
                         </a:rPr>
-                        <a:t>生产</a:t>
+                        <a:t>加工</a:t>
                       </a:r>
-                      <a:endParaRPr lang="zh-CN" sz="1400" kern="100">
+                      <a:endParaRPr lang="zh-CN" sz="1400" kern="100" dirty="0">
                         <a:effectLst/>
                         <a:latin typeface="Times New Roman" panose="02020603050405020304" pitchFamily="18" charset="0"/>
                         <a:ea typeface="宋体" panose="02010600030101010101" pitchFamily="2" charset="-122"/>
@@ -12588,7 +11755,7 @@
           <a:p>
             <a:r>
               <a:rPr kumimoji="1" lang="zh-CN" altLang="en-US" dirty="0"/>
-              <a:t>工序路线实例</a:t>
+              <a:t>工艺路线实例</a:t>
             </a:r>
           </a:p>
         </p:txBody>
@@ -12606,7 +11773,102 @@
 </p:sld>
 </file>
 
-<file path=ppt/slides/slide9.xml><?xml version="1.0" encoding="utf-8"?>
+<file path=ppt/slides/slide11.xml><?xml version="1.0" encoding="utf-8"?>
+<p:sld xmlns:a="http://schemas.openxmlformats.org/drawingml/2006/main" xmlns:r="http://schemas.openxmlformats.org/officeDocument/2006/relationships" xmlns:p="http://schemas.openxmlformats.org/presentationml/2006/main">
+  <p:cSld>
+    <p:spTree>
+      <p:nvGrpSpPr>
+        <p:cNvPr id="1" name=""/>
+        <p:cNvGrpSpPr/>
+        <p:nvPr/>
+      </p:nvGrpSpPr>
+      <p:grpSpPr>
+        <a:xfrm>
+          <a:off x="0" y="0"/>
+          <a:ext cx="0" cy="0"/>
+          <a:chOff x="0" y="0"/>
+          <a:chExt cx="0" cy="0"/>
+        </a:xfrm>
+      </p:grpSpPr>
+      <p:sp>
+        <p:nvSpPr>
+          <p:cNvPr id="4" name="标题 1">
+            <a:extLst>
+              <a:ext uri="{FF2B5EF4-FFF2-40B4-BE49-F238E27FC236}">
+                <a16:creationId xmlns:a16="http://schemas.microsoft.com/office/drawing/2014/main" id="{D7313137-3043-11DB-8D43-804052FD9820}"/>
+              </a:ext>
+            </a:extLst>
+          </p:cNvPr>
+          <p:cNvSpPr>
+            <a:spLocks noGrp="1"/>
+          </p:cNvSpPr>
+          <p:nvPr>
+            <p:ph type="title"/>
+          </p:nvPr>
+        </p:nvSpPr>
+        <p:spPr>
+          <a:xfrm>
+            <a:off x="455944" y="268623"/>
+            <a:ext cx="10515600" cy="527760"/>
+          </a:xfrm>
+        </p:spPr>
+        <p:txBody>
+          <a:bodyPr>
+            <a:normAutofit fontScale="90000"/>
+          </a:bodyPr>
+          <a:lstStyle/>
+          <a:p>
+            <a:r>
+              <a:rPr kumimoji="1" lang="zh-CN" altLang="en-US" dirty="0"/>
+              <a:t>工艺路线用例</a:t>
+            </a:r>
+          </a:p>
+        </p:txBody>
+      </p:sp>
+      <p:pic>
+        <p:nvPicPr>
+          <p:cNvPr id="6" name="图片 5">
+            <a:extLst>
+              <a:ext uri="{FF2B5EF4-FFF2-40B4-BE49-F238E27FC236}">
+                <a16:creationId xmlns:a16="http://schemas.microsoft.com/office/drawing/2014/main" id="{928E18DD-D9FD-23DA-2382-412091813547}"/>
+              </a:ext>
+            </a:extLst>
+          </p:cNvPr>
+          <p:cNvPicPr>
+            <a:picLocks noChangeAspect="1"/>
+          </p:cNvPicPr>
+          <p:nvPr/>
+        </p:nvPicPr>
+        <p:blipFill>
+          <a:blip r:embed="rId2"/>
+          <a:stretch>
+            <a:fillRect/>
+          </a:stretch>
+        </p:blipFill>
+        <p:spPr>
+          <a:xfrm>
+            <a:off x="1872229" y="1148455"/>
+            <a:ext cx="8447542" cy="5253677"/>
+          </a:xfrm>
+          <a:prstGeom prst="rect">
+            <a:avLst/>
+          </a:prstGeom>
+        </p:spPr>
+      </p:pic>
+    </p:spTree>
+    <p:extLst>
+      <p:ext uri="{BB962C8B-B14F-4D97-AF65-F5344CB8AC3E}">
+        <p14:creationId xmlns:p14="http://schemas.microsoft.com/office/powerpoint/2010/main" val="3827519373"/>
+      </p:ext>
+    </p:extLst>
+  </p:cSld>
+  <p:clrMapOvr>
+    <a:masterClrMapping/>
+  </p:clrMapOvr>
+</p:sld>
+</file>
+
+<file path=ppt/slides/slide12.xml><?xml version="1.0" encoding="utf-8"?>
 <p:sld xmlns:a="http://schemas.openxmlformats.org/drawingml/2006/main" xmlns:r="http://schemas.openxmlformats.org/officeDocument/2006/relationships" xmlns:p="http://schemas.openxmlformats.org/presentationml/2006/main">
   <p:cSld>
     <p:spTree>
@@ -13058,6 +12320,3771 @@
     <p:extLst>
       <p:ext uri="{BB962C8B-B14F-4D97-AF65-F5344CB8AC3E}">
         <p14:creationId xmlns:p14="http://schemas.microsoft.com/office/powerpoint/2010/main" val="3628504318"/>
+      </p:ext>
+    </p:extLst>
+  </p:cSld>
+  <p:clrMapOvr>
+    <a:masterClrMapping/>
+  </p:clrMapOvr>
+</p:sld>
+</file>
+
+<file path=ppt/slides/slide13.xml><?xml version="1.0" encoding="utf-8"?>
+<p:sld xmlns:a="http://schemas.openxmlformats.org/drawingml/2006/main" xmlns:r="http://schemas.openxmlformats.org/officeDocument/2006/relationships" xmlns:p="http://schemas.openxmlformats.org/presentationml/2006/main">
+  <p:cSld>
+    <p:spTree>
+      <p:nvGrpSpPr>
+        <p:cNvPr id="1" name=""/>
+        <p:cNvGrpSpPr/>
+        <p:nvPr/>
+      </p:nvGrpSpPr>
+      <p:grpSpPr>
+        <a:xfrm>
+          <a:off x="0" y="0"/>
+          <a:ext cx="0" cy="0"/>
+          <a:chOff x="0" y="0"/>
+          <a:chExt cx="0" cy="0"/>
+        </a:xfrm>
+      </p:grpSpPr>
+      <p:graphicFrame>
+        <p:nvGraphicFramePr>
+          <p:cNvPr id="4" name="表格 3">
+            <a:extLst>
+              <a:ext uri="{FF2B5EF4-FFF2-40B4-BE49-F238E27FC236}">
+                <a16:creationId xmlns:a16="http://schemas.microsoft.com/office/drawing/2014/main" id="{0BF10116-43DF-5F45-BBDF-2C2F961D8DC3}"/>
+              </a:ext>
+            </a:extLst>
+          </p:cNvPr>
+          <p:cNvGraphicFramePr>
+            <a:graphicFrameLocks noGrp="1"/>
+          </p:cNvGraphicFramePr>
+          <p:nvPr>
+            <p:extLst>
+              <p:ext uri="{D42A27DB-BD31-4B8C-83A1-F6EECF244321}">
+                <p14:modId xmlns:p14="http://schemas.microsoft.com/office/powerpoint/2010/main" val="3358431271"/>
+              </p:ext>
+            </p:extLst>
+          </p:nvPr>
+        </p:nvGraphicFramePr>
+        <p:xfrm>
+          <a:off x="469022" y="1244917"/>
+          <a:ext cx="11253956" cy="1188720"/>
+        </p:xfrm>
+        <a:graphic>
+          <a:graphicData uri="http://schemas.openxmlformats.org/drawingml/2006/table">
+            <a:tbl>
+              <a:tblPr/>
+              <a:tblGrid>
+                <a:gridCol w="1456890">
+                  <a:extLst>
+                    <a:ext uri="{9D8B030D-6E8A-4147-A177-3AD203B41FA5}">
+                      <a16:colId xmlns:a16="http://schemas.microsoft.com/office/drawing/2014/main" val="510381086"/>
+                    </a:ext>
+                  </a:extLst>
+                </a:gridCol>
+                <a:gridCol w="2057332">
+                  <a:extLst>
+                    <a:ext uri="{9D8B030D-6E8A-4147-A177-3AD203B41FA5}">
+                      <a16:colId xmlns:a16="http://schemas.microsoft.com/office/drawing/2014/main" val="1099698079"/>
+                    </a:ext>
+                  </a:extLst>
+                </a:gridCol>
+                <a:gridCol w="6113928">
+                  <a:extLst>
+                    <a:ext uri="{9D8B030D-6E8A-4147-A177-3AD203B41FA5}">
+                      <a16:colId xmlns:a16="http://schemas.microsoft.com/office/drawing/2014/main" val="3033723051"/>
+                    </a:ext>
+                  </a:extLst>
+                </a:gridCol>
+                <a:gridCol w="1625806">
+                  <a:extLst>
+                    <a:ext uri="{9D8B030D-6E8A-4147-A177-3AD203B41FA5}">
+                      <a16:colId xmlns:a16="http://schemas.microsoft.com/office/drawing/2014/main" val="560337369"/>
+                    </a:ext>
+                  </a:extLst>
+                </a:gridCol>
+              </a:tblGrid>
+              <a:tr h="396240">
+                <a:tc>
+                  <a:txBody>
+                    <a:bodyPr/>
+                    <a:lstStyle/>
+                    <a:p>
+                      <a:pPr algn="ctr">
+                        <a:lnSpc>
+                          <a:spcPct val="150000"/>
+                        </a:lnSpc>
+                        <a:tabLst>
+                          <a:tab pos="627380" algn="ctr"/>
+                        </a:tabLst>
+                      </a:pPr>
+                      <a:r>
+                        <a:rPr lang="zh-CN" sz="1400" kern="100">
+                          <a:effectLst/>
+                          <a:latin typeface="Arial" panose="020B0604020202020204" pitchFamily="34" charset="0"/>
+                          <a:ea typeface="宋体" panose="02010600030101010101" pitchFamily="2" charset="-122"/>
+                        </a:rPr>
+                        <a:t>版本</a:t>
+                      </a:r>
+                      <a:endParaRPr lang="zh-CN" sz="1200" kern="100">
+                        <a:effectLst/>
+                        <a:latin typeface="Times New Roman" panose="02020603050405020304" pitchFamily="18" charset="0"/>
+                        <a:ea typeface="宋体" panose="02010600030101010101" pitchFamily="2" charset="-122"/>
+                      </a:endParaRPr>
+                    </a:p>
+                  </a:txBody>
+                  <a:tcPr marL="68580" marR="68580" marT="0" marB="0" anchor="ctr">
+                    <a:lnL w="19050" cap="flat" cmpd="sng" algn="ctr">
+                      <a:solidFill>
+                        <a:srgbClr val="000000"/>
+                      </a:solidFill>
+                      <a:prstDash val="solid"/>
+                      <a:round/>
+                      <a:headEnd type="none" w="med" len="med"/>
+                      <a:tailEnd type="none" w="med" len="med"/>
+                    </a:lnL>
+                    <a:lnR w="12700" cap="flat" cmpd="sng" algn="ctr">
+                      <a:solidFill>
+                        <a:srgbClr val="000000"/>
+                      </a:solidFill>
+                      <a:prstDash val="solid"/>
+                      <a:round/>
+                      <a:headEnd type="none" w="med" len="med"/>
+                      <a:tailEnd type="none" w="med" len="med"/>
+                    </a:lnR>
+                    <a:lnT w="19050" cap="flat" cmpd="sng" algn="ctr">
+                      <a:solidFill>
+                        <a:srgbClr val="000000"/>
+                      </a:solidFill>
+                      <a:prstDash val="solid"/>
+                      <a:round/>
+                      <a:headEnd type="none" w="med" len="med"/>
+                      <a:tailEnd type="none" w="med" len="med"/>
+                    </a:lnT>
+                    <a:lnB w="12700" cap="flat" cmpd="sng" algn="ctr">
+                      <a:solidFill>
+                        <a:srgbClr val="000000"/>
+                      </a:solidFill>
+                      <a:prstDash val="solid"/>
+                      <a:round/>
+                      <a:headEnd type="none" w="med" len="med"/>
+                      <a:tailEnd type="none" w="med" len="med"/>
+                    </a:lnB>
+                  </a:tcPr>
+                </a:tc>
+                <a:tc>
+                  <a:txBody>
+                    <a:bodyPr/>
+                    <a:lstStyle/>
+                    <a:p>
+                      <a:pPr algn="ctr">
+                        <a:lnSpc>
+                          <a:spcPct val="150000"/>
+                        </a:lnSpc>
+                      </a:pPr>
+                      <a:r>
+                        <a:rPr lang="zh-CN" sz="1400" kern="100">
+                          <a:effectLst/>
+                          <a:latin typeface="Arial" panose="020B0604020202020204" pitchFamily="34" charset="0"/>
+                          <a:ea typeface="宋体" panose="02010600030101010101" pitchFamily="2" charset="-122"/>
+                        </a:rPr>
+                        <a:t>日期</a:t>
+                      </a:r>
+                      <a:endParaRPr lang="zh-CN" sz="1200" kern="100">
+                        <a:effectLst/>
+                        <a:latin typeface="Times New Roman" panose="02020603050405020304" pitchFamily="18" charset="0"/>
+                        <a:ea typeface="宋体" panose="02010600030101010101" pitchFamily="2" charset="-122"/>
+                      </a:endParaRPr>
+                    </a:p>
+                  </a:txBody>
+                  <a:tcPr marL="68580" marR="68580" marT="0" marB="0" anchor="ctr">
+                    <a:lnL w="12700" cap="flat" cmpd="sng" algn="ctr">
+                      <a:solidFill>
+                        <a:srgbClr val="000000"/>
+                      </a:solidFill>
+                      <a:prstDash val="solid"/>
+                      <a:round/>
+                      <a:headEnd type="none" w="med" len="med"/>
+                      <a:tailEnd type="none" w="med" len="med"/>
+                    </a:lnL>
+                    <a:lnR w="12700" cap="flat" cmpd="sng" algn="ctr">
+                      <a:solidFill>
+                        <a:srgbClr val="000000"/>
+                      </a:solidFill>
+                      <a:prstDash val="solid"/>
+                      <a:round/>
+                      <a:headEnd type="none" w="med" len="med"/>
+                      <a:tailEnd type="none" w="med" len="med"/>
+                    </a:lnR>
+                    <a:lnT w="19050" cap="flat" cmpd="sng" algn="ctr">
+                      <a:solidFill>
+                        <a:srgbClr val="000000"/>
+                      </a:solidFill>
+                      <a:prstDash val="solid"/>
+                      <a:round/>
+                      <a:headEnd type="none" w="med" len="med"/>
+                      <a:tailEnd type="none" w="med" len="med"/>
+                    </a:lnT>
+                    <a:lnB w="12700" cap="flat" cmpd="sng" algn="ctr">
+                      <a:solidFill>
+                        <a:srgbClr val="000000"/>
+                      </a:solidFill>
+                      <a:prstDash val="solid"/>
+                      <a:round/>
+                      <a:headEnd type="none" w="med" len="med"/>
+                      <a:tailEnd type="none" w="med" len="med"/>
+                    </a:lnB>
+                  </a:tcPr>
+                </a:tc>
+                <a:tc>
+                  <a:txBody>
+                    <a:bodyPr/>
+                    <a:lstStyle/>
+                    <a:p>
+                      <a:pPr algn="ctr">
+                        <a:lnSpc>
+                          <a:spcPct val="150000"/>
+                        </a:lnSpc>
+                      </a:pPr>
+                      <a:r>
+                        <a:rPr lang="zh-CN" sz="1400" kern="100">
+                          <a:effectLst/>
+                          <a:latin typeface="Arial" panose="020B0604020202020204" pitchFamily="34" charset="0"/>
+                          <a:ea typeface="宋体" panose="02010600030101010101" pitchFamily="2" charset="-122"/>
+                        </a:rPr>
+                        <a:t>修改内容</a:t>
+                      </a:r>
+                      <a:endParaRPr lang="zh-CN" sz="1200" kern="100">
+                        <a:effectLst/>
+                        <a:latin typeface="Times New Roman" panose="02020603050405020304" pitchFamily="18" charset="0"/>
+                        <a:ea typeface="宋体" panose="02010600030101010101" pitchFamily="2" charset="-122"/>
+                      </a:endParaRPr>
+                    </a:p>
+                  </a:txBody>
+                  <a:tcPr marL="68580" marR="68580" marT="0" marB="0" anchor="ctr">
+                    <a:lnL w="12700" cap="flat" cmpd="sng" algn="ctr">
+                      <a:solidFill>
+                        <a:srgbClr val="000000"/>
+                      </a:solidFill>
+                      <a:prstDash val="solid"/>
+                      <a:round/>
+                      <a:headEnd type="none" w="med" len="med"/>
+                      <a:tailEnd type="none" w="med" len="med"/>
+                    </a:lnL>
+                    <a:lnR w="12700" cap="flat" cmpd="sng" algn="ctr">
+                      <a:solidFill>
+                        <a:srgbClr val="000000"/>
+                      </a:solidFill>
+                      <a:prstDash val="solid"/>
+                      <a:round/>
+                      <a:headEnd type="none" w="med" len="med"/>
+                      <a:tailEnd type="none" w="med" len="med"/>
+                    </a:lnR>
+                    <a:lnT w="19050" cap="flat" cmpd="sng" algn="ctr">
+                      <a:solidFill>
+                        <a:srgbClr val="000000"/>
+                      </a:solidFill>
+                      <a:prstDash val="solid"/>
+                      <a:round/>
+                      <a:headEnd type="none" w="med" len="med"/>
+                      <a:tailEnd type="none" w="med" len="med"/>
+                    </a:lnT>
+                    <a:lnB w="12700" cap="flat" cmpd="sng" algn="ctr">
+                      <a:solidFill>
+                        <a:srgbClr val="000000"/>
+                      </a:solidFill>
+                      <a:prstDash val="solid"/>
+                      <a:round/>
+                      <a:headEnd type="none" w="med" len="med"/>
+                      <a:tailEnd type="none" w="med" len="med"/>
+                    </a:lnB>
+                  </a:tcPr>
+                </a:tc>
+                <a:tc>
+                  <a:txBody>
+                    <a:bodyPr/>
+                    <a:lstStyle/>
+                    <a:p>
+                      <a:pPr algn="ctr">
+                        <a:lnSpc>
+                          <a:spcPct val="150000"/>
+                        </a:lnSpc>
+                      </a:pPr>
+                      <a:r>
+                        <a:rPr lang="zh-CN" sz="1400" kern="100">
+                          <a:effectLst/>
+                          <a:latin typeface="Arial" panose="020B0604020202020204" pitchFamily="34" charset="0"/>
+                          <a:ea typeface="宋体" panose="02010600030101010101" pitchFamily="2" charset="-122"/>
+                        </a:rPr>
+                        <a:t>修改人</a:t>
+                      </a:r>
+                      <a:endParaRPr lang="zh-CN" sz="1200" kern="100">
+                        <a:effectLst/>
+                        <a:latin typeface="Times New Roman" panose="02020603050405020304" pitchFamily="18" charset="0"/>
+                        <a:ea typeface="宋体" panose="02010600030101010101" pitchFamily="2" charset="-122"/>
+                      </a:endParaRPr>
+                    </a:p>
+                  </a:txBody>
+                  <a:tcPr marL="68580" marR="68580" marT="0" marB="0" anchor="ctr">
+                    <a:lnL w="12700" cap="flat" cmpd="sng" algn="ctr">
+                      <a:solidFill>
+                        <a:srgbClr val="000000"/>
+                      </a:solidFill>
+                      <a:prstDash val="solid"/>
+                      <a:round/>
+                      <a:headEnd type="none" w="med" len="med"/>
+                      <a:tailEnd type="none" w="med" len="med"/>
+                    </a:lnL>
+                    <a:lnR w="19050" cap="flat" cmpd="sng" algn="ctr">
+                      <a:solidFill>
+                        <a:srgbClr val="000000"/>
+                      </a:solidFill>
+                      <a:prstDash val="solid"/>
+                      <a:round/>
+                      <a:headEnd type="none" w="med" len="med"/>
+                      <a:tailEnd type="none" w="med" len="med"/>
+                    </a:lnR>
+                    <a:lnT w="19050" cap="flat" cmpd="sng" algn="ctr">
+                      <a:solidFill>
+                        <a:srgbClr val="000000"/>
+                      </a:solidFill>
+                      <a:prstDash val="solid"/>
+                      <a:round/>
+                      <a:headEnd type="none" w="med" len="med"/>
+                      <a:tailEnd type="none" w="med" len="med"/>
+                    </a:lnT>
+                    <a:lnB w="12700" cap="flat" cmpd="sng" algn="ctr">
+                      <a:solidFill>
+                        <a:srgbClr val="000000"/>
+                      </a:solidFill>
+                      <a:prstDash val="solid"/>
+                      <a:round/>
+                      <a:headEnd type="none" w="med" len="med"/>
+                      <a:tailEnd type="none" w="med" len="med"/>
+                    </a:lnB>
+                  </a:tcPr>
+                </a:tc>
+                <a:extLst>
+                  <a:ext uri="{0D108BD9-81ED-4DB2-BD59-A6C34878D82A}">
+                    <a16:rowId xmlns:a16="http://schemas.microsoft.com/office/drawing/2014/main" val="2939434072"/>
+                  </a:ext>
+                </a:extLst>
+              </a:tr>
+              <a:tr h="396240">
+                <a:tc>
+                  <a:txBody>
+                    <a:bodyPr/>
+                    <a:lstStyle/>
+                    <a:p>
+                      <a:pPr algn="ctr">
+                        <a:lnSpc>
+                          <a:spcPct val="150000"/>
+                        </a:lnSpc>
+                      </a:pPr>
+                      <a:r>
+                        <a:rPr lang="en-US" sz="1200" kern="100" dirty="0">
+                          <a:effectLst/>
+                          <a:latin typeface="Arial" panose="020B0604020202020204" pitchFamily="34" charset="0"/>
+                          <a:ea typeface="宋体" panose="02010600030101010101" pitchFamily="2" charset="-122"/>
+                          <a:cs typeface="Times New Roman" panose="02020603050405020304" pitchFamily="18" charset="0"/>
+                        </a:rPr>
+                        <a:t>V0.0.1</a:t>
+                      </a:r>
+                      <a:endParaRPr lang="zh-CN" sz="1200" kern="100" dirty="0">
+                        <a:effectLst/>
+                        <a:latin typeface="Times New Roman" panose="02020603050405020304" pitchFamily="18" charset="0"/>
+                        <a:ea typeface="宋体" panose="02010600030101010101" pitchFamily="2" charset="-122"/>
+                      </a:endParaRPr>
+                    </a:p>
+                  </a:txBody>
+                  <a:tcPr marL="68580" marR="68580" marT="0" marB="0" anchor="ctr">
+                    <a:lnL w="19050" cap="flat" cmpd="sng" algn="ctr">
+                      <a:solidFill>
+                        <a:srgbClr val="000000"/>
+                      </a:solidFill>
+                      <a:prstDash val="solid"/>
+                      <a:round/>
+                      <a:headEnd type="none" w="med" len="med"/>
+                      <a:tailEnd type="none" w="med" len="med"/>
+                    </a:lnL>
+                    <a:lnR w="12700" cap="flat" cmpd="sng" algn="ctr">
+                      <a:solidFill>
+                        <a:srgbClr val="000000"/>
+                      </a:solidFill>
+                      <a:prstDash val="solid"/>
+                      <a:round/>
+                      <a:headEnd type="none" w="med" len="med"/>
+                      <a:tailEnd type="none" w="med" len="med"/>
+                    </a:lnR>
+                    <a:lnT w="12700" cap="flat" cmpd="sng" algn="ctr">
+                      <a:solidFill>
+                        <a:srgbClr val="000000"/>
+                      </a:solidFill>
+                      <a:prstDash val="solid"/>
+                      <a:round/>
+                      <a:headEnd type="none" w="med" len="med"/>
+                      <a:tailEnd type="none" w="med" len="med"/>
+                    </a:lnT>
+                    <a:lnB w="12700" cap="flat" cmpd="sng" algn="ctr">
+                      <a:solidFill>
+                        <a:srgbClr val="000000"/>
+                      </a:solidFill>
+                      <a:prstDash val="solid"/>
+                      <a:round/>
+                      <a:headEnd type="none" w="med" len="med"/>
+                      <a:tailEnd type="none" w="med" len="med"/>
+                    </a:lnB>
+                  </a:tcPr>
+                </a:tc>
+                <a:tc>
+                  <a:txBody>
+                    <a:bodyPr/>
+                    <a:lstStyle/>
+                    <a:p>
+                      <a:pPr algn="ctr">
+                        <a:lnSpc>
+                          <a:spcPct val="150000"/>
+                        </a:lnSpc>
+                      </a:pPr>
+                      <a:r>
+                        <a:rPr lang="en-US" sz="1200" kern="100" dirty="0">
+                          <a:effectLst/>
+                          <a:latin typeface="Arial" panose="020B0604020202020204" pitchFamily="34" charset="0"/>
+                          <a:ea typeface="宋体" panose="02010600030101010101" pitchFamily="2" charset="-122"/>
+                          <a:cs typeface="Times New Roman" panose="02020603050405020304" pitchFamily="18" charset="0"/>
+                        </a:rPr>
+                        <a:t>2023-0</a:t>
+                      </a:r>
+                      <a:r>
+                        <a:rPr lang="en-US" altLang="zh-CN" sz="1200" kern="100" dirty="0">
+                          <a:effectLst/>
+                          <a:latin typeface="Arial" panose="020B0604020202020204" pitchFamily="34" charset="0"/>
+                          <a:ea typeface="宋体" panose="02010600030101010101" pitchFamily="2" charset="-122"/>
+                          <a:cs typeface="Times New Roman" panose="02020603050405020304" pitchFamily="18" charset="0"/>
+                        </a:rPr>
+                        <a:t>8</a:t>
+                      </a:r>
+                      <a:r>
+                        <a:rPr lang="en-US" sz="1200" kern="100" dirty="0">
+                          <a:effectLst/>
+                          <a:latin typeface="Arial" panose="020B0604020202020204" pitchFamily="34" charset="0"/>
+                          <a:ea typeface="宋体" panose="02010600030101010101" pitchFamily="2" charset="-122"/>
+                          <a:cs typeface="Times New Roman" panose="02020603050405020304" pitchFamily="18" charset="0"/>
+                        </a:rPr>
+                        <a:t>-</a:t>
+                      </a:r>
+                      <a:r>
+                        <a:rPr lang="en-US" altLang="zh-CN" sz="1200" kern="100" dirty="0">
+                          <a:effectLst/>
+                          <a:latin typeface="Arial" panose="020B0604020202020204" pitchFamily="34" charset="0"/>
+                          <a:ea typeface="宋体" panose="02010600030101010101" pitchFamily="2" charset="-122"/>
+                          <a:cs typeface="Times New Roman" panose="02020603050405020304" pitchFamily="18" charset="0"/>
+                        </a:rPr>
+                        <a:t>16</a:t>
+                      </a:r>
+                      <a:endParaRPr lang="zh-CN" sz="1200" kern="100" dirty="0">
+                        <a:effectLst/>
+                        <a:latin typeface="Times New Roman" panose="02020603050405020304" pitchFamily="18" charset="0"/>
+                        <a:ea typeface="宋体" panose="02010600030101010101" pitchFamily="2" charset="-122"/>
+                      </a:endParaRPr>
+                    </a:p>
+                  </a:txBody>
+                  <a:tcPr marL="68580" marR="68580" marT="0" marB="0" anchor="ctr">
+                    <a:lnL w="12700" cap="flat" cmpd="sng" algn="ctr">
+                      <a:solidFill>
+                        <a:srgbClr val="000000"/>
+                      </a:solidFill>
+                      <a:prstDash val="solid"/>
+                      <a:round/>
+                      <a:headEnd type="none" w="med" len="med"/>
+                      <a:tailEnd type="none" w="med" len="med"/>
+                    </a:lnL>
+                    <a:lnR w="12700" cap="flat" cmpd="sng" algn="ctr">
+                      <a:solidFill>
+                        <a:srgbClr val="000000"/>
+                      </a:solidFill>
+                      <a:prstDash val="solid"/>
+                      <a:round/>
+                      <a:headEnd type="none" w="med" len="med"/>
+                      <a:tailEnd type="none" w="med" len="med"/>
+                    </a:lnR>
+                    <a:lnT w="12700" cap="flat" cmpd="sng" algn="ctr">
+                      <a:solidFill>
+                        <a:srgbClr val="000000"/>
+                      </a:solidFill>
+                      <a:prstDash val="solid"/>
+                      <a:round/>
+                      <a:headEnd type="none" w="med" len="med"/>
+                      <a:tailEnd type="none" w="med" len="med"/>
+                    </a:lnT>
+                    <a:lnB w="12700" cap="flat" cmpd="sng" algn="ctr">
+                      <a:solidFill>
+                        <a:srgbClr val="000000"/>
+                      </a:solidFill>
+                      <a:prstDash val="solid"/>
+                      <a:round/>
+                      <a:headEnd type="none" w="med" len="med"/>
+                      <a:tailEnd type="none" w="med" len="med"/>
+                    </a:lnB>
+                  </a:tcPr>
+                </a:tc>
+                <a:tc>
+                  <a:txBody>
+                    <a:bodyPr/>
+                    <a:lstStyle/>
+                    <a:p>
+                      <a:pPr algn="just">
+                        <a:lnSpc>
+                          <a:spcPct val="150000"/>
+                        </a:lnSpc>
+                      </a:pPr>
+                      <a:r>
+                        <a:rPr lang="zh-CN" sz="1200" kern="100" dirty="0">
+                          <a:effectLst/>
+                          <a:latin typeface="Arial" panose="020B0604020202020204" pitchFamily="34" charset="0"/>
+                          <a:ea typeface="宋体" panose="02010600030101010101" pitchFamily="2" charset="-122"/>
+                        </a:rPr>
+                        <a:t>新建文件</a:t>
+                      </a:r>
+                      <a:endParaRPr lang="zh-CN" sz="1200" kern="100" dirty="0">
+                        <a:effectLst/>
+                        <a:latin typeface="Times New Roman" panose="02020603050405020304" pitchFamily="18" charset="0"/>
+                        <a:ea typeface="宋体" panose="02010600030101010101" pitchFamily="2" charset="-122"/>
+                      </a:endParaRPr>
+                    </a:p>
+                  </a:txBody>
+                  <a:tcPr marL="68580" marR="68580" marT="0" marB="0" anchor="ctr">
+                    <a:lnL w="12700" cap="flat" cmpd="sng" algn="ctr">
+                      <a:solidFill>
+                        <a:srgbClr val="000000"/>
+                      </a:solidFill>
+                      <a:prstDash val="solid"/>
+                      <a:round/>
+                      <a:headEnd type="none" w="med" len="med"/>
+                      <a:tailEnd type="none" w="med" len="med"/>
+                    </a:lnL>
+                    <a:lnR w="12700" cap="flat" cmpd="sng" algn="ctr">
+                      <a:solidFill>
+                        <a:srgbClr val="000000"/>
+                      </a:solidFill>
+                      <a:prstDash val="solid"/>
+                      <a:round/>
+                      <a:headEnd type="none" w="med" len="med"/>
+                      <a:tailEnd type="none" w="med" len="med"/>
+                    </a:lnR>
+                    <a:lnT w="12700" cap="flat" cmpd="sng" algn="ctr">
+                      <a:solidFill>
+                        <a:srgbClr val="000000"/>
+                      </a:solidFill>
+                      <a:prstDash val="solid"/>
+                      <a:round/>
+                      <a:headEnd type="none" w="med" len="med"/>
+                      <a:tailEnd type="none" w="med" len="med"/>
+                    </a:lnT>
+                    <a:lnB w="12700" cap="flat" cmpd="sng" algn="ctr">
+                      <a:solidFill>
+                        <a:srgbClr val="000000"/>
+                      </a:solidFill>
+                      <a:prstDash val="solid"/>
+                      <a:round/>
+                      <a:headEnd type="none" w="med" len="med"/>
+                      <a:tailEnd type="none" w="med" len="med"/>
+                    </a:lnB>
+                  </a:tcPr>
+                </a:tc>
+                <a:tc>
+                  <a:txBody>
+                    <a:bodyPr/>
+                    <a:lstStyle/>
+                    <a:p>
+                      <a:pPr algn="ctr">
+                        <a:lnSpc>
+                          <a:spcPct val="150000"/>
+                        </a:lnSpc>
+                      </a:pPr>
+                      <a:r>
+                        <a:rPr lang="zh-CN" sz="1200" kern="100" dirty="0">
+                          <a:effectLst/>
+                          <a:latin typeface="Arial" panose="020B0604020202020204" pitchFamily="34" charset="0"/>
+                          <a:ea typeface="宋体" panose="02010600030101010101" pitchFamily="2" charset="-122"/>
+                        </a:rPr>
+                        <a:t>滕国栋</a:t>
+                      </a:r>
+                      <a:endParaRPr lang="zh-CN" sz="1200" kern="100" dirty="0">
+                        <a:effectLst/>
+                        <a:latin typeface="Times New Roman" panose="02020603050405020304" pitchFamily="18" charset="0"/>
+                        <a:ea typeface="宋体" panose="02010600030101010101" pitchFamily="2" charset="-122"/>
+                      </a:endParaRPr>
+                    </a:p>
+                  </a:txBody>
+                  <a:tcPr marL="68580" marR="68580" marT="0" marB="0" anchor="ctr">
+                    <a:lnL w="12700" cap="flat" cmpd="sng" algn="ctr">
+                      <a:solidFill>
+                        <a:srgbClr val="000000"/>
+                      </a:solidFill>
+                      <a:prstDash val="solid"/>
+                      <a:round/>
+                      <a:headEnd type="none" w="med" len="med"/>
+                      <a:tailEnd type="none" w="med" len="med"/>
+                    </a:lnL>
+                    <a:lnR w="19050" cap="flat" cmpd="sng" algn="ctr">
+                      <a:solidFill>
+                        <a:srgbClr val="000000"/>
+                      </a:solidFill>
+                      <a:prstDash val="solid"/>
+                      <a:round/>
+                      <a:headEnd type="none" w="med" len="med"/>
+                      <a:tailEnd type="none" w="med" len="med"/>
+                    </a:lnR>
+                    <a:lnT w="12700" cap="flat" cmpd="sng" algn="ctr">
+                      <a:solidFill>
+                        <a:srgbClr val="000000"/>
+                      </a:solidFill>
+                      <a:prstDash val="solid"/>
+                      <a:round/>
+                      <a:headEnd type="none" w="med" len="med"/>
+                      <a:tailEnd type="none" w="med" len="med"/>
+                    </a:lnT>
+                    <a:lnB w="12700" cap="flat" cmpd="sng" algn="ctr">
+                      <a:solidFill>
+                        <a:srgbClr val="000000"/>
+                      </a:solidFill>
+                      <a:prstDash val="solid"/>
+                      <a:round/>
+                      <a:headEnd type="none" w="med" len="med"/>
+                      <a:tailEnd type="none" w="med" len="med"/>
+                    </a:lnB>
+                  </a:tcPr>
+                </a:tc>
+                <a:extLst>
+                  <a:ext uri="{0D108BD9-81ED-4DB2-BD59-A6C34878D82A}">
+                    <a16:rowId xmlns:a16="http://schemas.microsoft.com/office/drawing/2014/main" val="3074967454"/>
+                  </a:ext>
+                </a:extLst>
+              </a:tr>
+              <a:tr h="396240">
+                <a:tc>
+                  <a:txBody>
+                    <a:bodyPr/>
+                    <a:lstStyle/>
+                    <a:p>
+                      <a:pPr algn="ctr">
+                        <a:lnSpc>
+                          <a:spcPct val="150000"/>
+                        </a:lnSpc>
+                      </a:pPr>
+                      <a:r>
+                        <a:rPr lang="en-US" sz="1200" kern="100" dirty="0">
+                          <a:effectLst/>
+                          <a:latin typeface="Arial" panose="020B0604020202020204" pitchFamily="34" charset="0"/>
+                          <a:ea typeface="宋体" panose="02010600030101010101" pitchFamily="2" charset="-122"/>
+                          <a:cs typeface="Times New Roman" panose="02020603050405020304" pitchFamily="18" charset="0"/>
+                        </a:rPr>
+                        <a:t>V0.0.2</a:t>
+                      </a:r>
+                      <a:endParaRPr lang="zh-CN" sz="1200" kern="100" dirty="0">
+                        <a:effectLst/>
+                        <a:latin typeface="Times New Roman" panose="02020603050405020304" pitchFamily="18" charset="0"/>
+                        <a:ea typeface="宋体" panose="02010600030101010101" pitchFamily="2" charset="-122"/>
+                      </a:endParaRPr>
+                    </a:p>
+                  </a:txBody>
+                  <a:tcPr marL="68580" marR="68580" marT="0" marB="0" anchor="ctr">
+                    <a:lnL w="19050" cap="flat" cmpd="sng" algn="ctr">
+                      <a:solidFill>
+                        <a:srgbClr val="000000"/>
+                      </a:solidFill>
+                      <a:prstDash val="solid"/>
+                      <a:round/>
+                      <a:headEnd type="none" w="med" len="med"/>
+                      <a:tailEnd type="none" w="med" len="med"/>
+                    </a:lnL>
+                    <a:lnR w="12700" cap="flat" cmpd="sng" algn="ctr">
+                      <a:solidFill>
+                        <a:srgbClr val="000000"/>
+                      </a:solidFill>
+                      <a:prstDash val="solid"/>
+                      <a:round/>
+                      <a:headEnd type="none" w="med" len="med"/>
+                      <a:tailEnd type="none" w="med" len="med"/>
+                    </a:lnR>
+                    <a:lnT w="12700" cap="flat" cmpd="sng" algn="ctr">
+                      <a:solidFill>
+                        <a:srgbClr val="000000"/>
+                      </a:solidFill>
+                      <a:prstDash val="solid"/>
+                      <a:round/>
+                      <a:headEnd type="none" w="med" len="med"/>
+                      <a:tailEnd type="none" w="med" len="med"/>
+                    </a:lnT>
+                    <a:lnB w="19050" cap="flat" cmpd="sng" algn="ctr">
+                      <a:solidFill>
+                        <a:srgbClr val="000000"/>
+                      </a:solidFill>
+                      <a:prstDash val="solid"/>
+                      <a:round/>
+                      <a:headEnd type="none" w="med" len="med"/>
+                      <a:tailEnd type="none" w="med" len="med"/>
+                    </a:lnB>
+                  </a:tcPr>
+                </a:tc>
+                <a:tc>
+                  <a:txBody>
+                    <a:bodyPr/>
+                    <a:lstStyle/>
+                    <a:p>
+                      <a:pPr algn="ctr">
+                        <a:lnSpc>
+                          <a:spcPct val="150000"/>
+                        </a:lnSpc>
+                      </a:pPr>
+                      <a:r>
+                        <a:rPr lang="en-US" sz="1200" kern="100" dirty="0">
+                          <a:effectLst/>
+                          <a:latin typeface="Arial" panose="020B0604020202020204" pitchFamily="34" charset="0"/>
+                          <a:ea typeface="宋体" panose="02010600030101010101" pitchFamily="2" charset="-122"/>
+                          <a:cs typeface="Times New Roman" panose="02020603050405020304" pitchFamily="18" charset="0"/>
+                        </a:rPr>
+                        <a:t>2023-0</a:t>
+                      </a:r>
+                      <a:r>
+                        <a:rPr lang="en-US" altLang="zh-CN" sz="1200" kern="100" dirty="0">
+                          <a:effectLst/>
+                          <a:latin typeface="Arial" panose="020B0604020202020204" pitchFamily="34" charset="0"/>
+                          <a:ea typeface="宋体" panose="02010600030101010101" pitchFamily="2" charset="-122"/>
+                          <a:cs typeface="Times New Roman" panose="02020603050405020304" pitchFamily="18" charset="0"/>
+                        </a:rPr>
+                        <a:t>8</a:t>
+                      </a:r>
+                      <a:r>
+                        <a:rPr lang="en-US" sz="1200" kern="100" dirty="0">
+                          <a:effectLst/>
+                          <a:latin typeface="Arial" panose="020B0604020202020204" pitchFamily="34" charset="0"/>
+                          <a:ea typeface="宋体" panose="02010600030101010101" pitchFamily="2" charset="-122"/>
+                          <a:cs typeface="Times New Roman" panose="02020603050405020304" pitchFamily="18" charset="0"/>
+                        </a:rPr>
+                        <a:t>-</a:t>
+                      </a:r>
+                      <a:r>
+                        <a:rPr lang="en-US" altLang="zh-CN" sz="1200" kern="100" dirty="0">
+                          <a:effectLst/>
+                          <a:latin typeface="Arial" panose="020B0604020202020204" pitchFamily="34" charset="0"/>
+                          <a:ea typeface="宋体" panose="02010600030101010101" pitchFamily="2" charset="-122"/>
+                          <a:cs typeface="Times New Roman" panose="02020603050405020304" pitchFamily="18" charset="0"/>
+                        </a:rPr>
+                        <a:t>18</a:t>
+                      </a:r>
+                      <a:endParaRPr lang="zh-CN" sz="1200" kern="100" dirty="0">
+                        <a:effectLst/>
+                        <a:latin typeface="Times New Roman" panose="02020603050405020304" pitchFamily="18" charset="0"/>
+                        <a:ea typeface="宋体" panose="02010600030101010101" pitchFamily="2" charset="-122"/>
+                      </a:endParaRPr>
+                    </a:p>
+                  </a:txBody>
+                  <a:tcPr marL="68580" marR="68580" marT="0" marB="0" anchor="ctr">
+                    <a:lnL w="12700" cap="flat" cmpd="sng" algn="ctr">
+                      <a:solidFill>
+                        <a:srgbClr val="000000"/>
+                      </a:solidFill>
+                      <a:prstDash val="solid"/>
+                      <a:round/>
+                      <a:headEnd type="none" w="med" len="med"/>
+                      <a:tailEnd type="none" w="med" len="med"/>
+                    </a:lnL>
+                    <a:lnR w="12700" cap="flat" cmpd="sng" algn="ctr">
+                      <a:solidFill>
+                        <a:srgbClr val="000000"/>
+                      </a:solidFill>
+                      <a:prstDash val="solid"/>
+                      <a:round/>
+                      <a:headEnd type="none" w="med" len="med"/>
+                      <a:tailEnd type="none" w="med" len="med"/>
+                    </a:lnR>
+                    <a:lnT w="12700" cap="flat" cmpd="sng" algn="ctr">
+                      <a:solidFill>
+                        <a:srgbClr val="000000"/>
+                      </a:solidFill>
+                      <a:prstDash val="solid"/>
+                      <a:round/>
+                      <a:headEnd type="none" w="med" len="med"/>
+                      <a:tailEnd type="none" w="med" len="med"/>
+                    </a:lnT>
+                    <a:lnB w="19050" cap="flat" cmpd="sng" algn="ctr">
+                      <a:solidFill>
+                        <a:srgbClr val="000000"/>
+                      </a:solidFill>
+                      <a:prstDash val="solid"/>
+                      <a:round/>
+                      <a:headEnd type="none" w="med" len="med"/>
+                      <a:tailEnd type="none" w="med" len="med"/>
+                    </a:lnB>
+                  </a:tcPr>
+                </a:tc>
+                <a:tc>
+                  <a:txBody>
+                    <a:bodyPr/>
+                    <a:lstStyle/>
+                    <a:p>
+                      <a:pPr algn="just">
+                        <a:lnSpc>
+                          <a:spcPct val="150000"/>
+                        </a:lnSpc>
+                      </a:pPr>
+                      <a:r>
+                        <a:rPr lang="zh-CN" altLang="en-US" sz="1200" kern="100" dirty="0">
+                          <a:effectLst/>
+                          <a:latin typeface="Arial" panose="020B0604020202020204" pitchFamily="34" charset="0"/>
+                          <a:ea typeface="宋体" panose="02010600030101010101" pitchFamily="2" charset="-122"/>
+                        </a:rPr>
+                        <a:t>增加工序基准时间：</a:t>
+                      </a:r>
+                      <a:r>
+                        <a:rPr lang="en-US" altLang="zh-CN" sz="1200" kern="100" dirty="0">
+                          <a:effectLst/>
+                          <a:latin typeface="Arial" panose="020B0604020202020204" pitchFamily="34" charset="0"/>
+                          <a:ea typeface="宋体" panose="02010600030101010101" pitchFamily="2" charset="-122"/>
+                        </a:rPr>
+                        <a:t>SS</a:t>
+                      </a:r>
+                      <a:r>
+                        <a:rPr lang="zh-CN" altLang="en-US" sz="1200" kern="100" dirty="0">
+                          <a:effectLst/>
+                          <a:latin typeface="Arial" panose="020B0604020202020204" pitchFamily="34" charset="0"/>
+                          <a:ea typeface="宋体" panose="02010600030101010101" pitchFamily="2" charset="-122"/>
+                        </a:rPr>
+                        <a:t>为例</a:t>
+                      </a:r>
+                      <a:endParaRPr lang="zh-CN" sz="1200" kern="100" dirty="0">
+                        <a:effectLst/>
+                        <a:latin typeface="Times New Roman" panose="02020603050405020304" pitchFamily="18" charset="0"/>
+                        <a:ea typeface="宋体" panose="02010600030101010101" pitchFamily="2" charset="-122"/>
+                      </a:endParaRPr>
+                    </a:p>
+                  </a:txBody>
+                  <a:tcPr marL="68580" marR="68580" marT="0" marB="0" anchor="ctr">
+                    <a:lnL w="12700" cap="flat" cmpd="sng" algn="ctr">
+                      <a:solidFill>
+                        <a:srgbClr val="000000"/>
+                      </a:solidFill>
+                      <a:prstDash val="solid"/>
+                      <a:round/>
+                      <a:headEnd type="none" w="med" len="med"/>
+                      <a:tailEnd type="none" w="med" len="med"/>
+                    </a:lnL>
+                    <a:lnR w="12700" cap="flat" cmpd="sng" algn="ctr">
+                      <a:solidFill>
+                        <a:srgbClr val="000000"/>
+                      </a:solidFill>
+                      <a:prstDash val="solid"/>
+                      <a:round/>
+                      <a:headEnd type="none" w="med" len="med"/>
+                      <a:tailEnd type="none" w="med" len="med"/>
+                    </a:lnR>
+                    <a:lnT w="12700" cap="flat" cmpd="sng" algn="ctr">
+                      <a:solidFill>
+                        <a:srgbClr val="000000"/>
+                      </a:solidFill>
+                      <a:prstDash val="solid"/>
+                      <a:round/>
+                      <a:headEnd type="none" w="med" len="med"/>
+                      <a:tailEnd type="none" w="med" len="med"/>
+                    </a:lnT>
+                    <a:lnB w="19050" cap="flat" cmpd="sng" algn="ctr">
+                      <a:solidFill>
+                        <a:srgbClr val="000000"/>
+                      </a:solidFill>
+                      <a:prstDash val="solid"/>
+                      <a:round/>
+                      <a:headEnd type="none" w="med" len="med"/>
+                      <a:tailEnd type="none" w="med" len="med"/>
+                    </a:lnB>
+                  </a:tcPr>
+                </a:tc>
+                <a:tc>
+                  <a:txBody>
+                    <a:bodyPr/>
+                    <a:lstStyle/>
+                    <a:p>
+                      <a:pPr algn="ctr">
+                        <a:lnSpc>
+                          <a:spcPct val="150000"/>
+                        </a:lnSpc>
+                      </a:pPr>
+                      <a:r>
+                        <a:rPr lang="zh-CN" sz="1200" kern="100" dirty="0">
+                          <a:effectLst/>
+                          <a:latin typeface="Arial" panose="020B0604020202020204" pitchFamily="34" charset="0"/>
+                          <a:ea typeface="宋体" panose="02010600030101010101" pitchFamily="2" charset="-122"/>
+                        </a:rPr>
+                        <a:t>滕国栋</a:t>
+                      </a:r>
+                      <a:endParaRPr lang="zh-CN" sz="1200" kern="100" dirty="0">
+                        <a:effectLst/>
+                        <a:latin typeface="Times New Roman" panose="02020603050405020304" pitchFamily="18" charset="0"/>
+                        <a:ea typeface="宋体" panose="02010600030101010101" pitchFamily="2" charset="-122"/>
+                      </a:endParaRPr>
+                    </a:p>
+                  </a:txBody>
+                  <a:tcPr marL="68580" marR="68580" marT="0" marB="0" anchor="ctr">
+                    <a:lnL w="12700" cap="flat" cmpd="sng" algn="ctr">
+                      <a:solidFill>
+                        <a:srgbClr val="000000"/>
+                      </a:solidFill>
+                      <a:prstDash val="solid"/>
+                      <a:round/>
+                      <a:headEnd type="none" w="med" len="med"/>
+                      <a:tailEnd type="none" w="med" len="med"/>
+                    </a:lnL>
+                    <a:lnR w="19050" cap="flat" cmpd="sng" algn="ctr">
+                      <a:solidFill>
+                        <a:srgbClr val="000000"/>
+                      </a:solidFill>
+                      <a:prstDash val="solid"/>
+                      <a:round/>
+                      <a:headEnd type="none" w="med" len="med"/>
+                      <a:tailEnd type="none" w="med" len="med"/>
+                    </a:lnR>
+                    <a:lnT w="12700" cap="flat" cmpd="sng" algn="ctr">
+                      <a:solidFill>
+                        <a:srgbClr val="000000"/>
+                      </a:solidFill>
+                      <a:prstDash val="solid"/>
+                      <a:round/>
+                      <a:headEnd type="none" w="med" len="med"/>
+                      <a:tailEnd type="none" w="med" len="med"/>
+                    </a:lnT>
+                    <a:lnB w="19050" cap="flat" cmpd="sng" algn="ctr">
+                      <a:solidFill>
+                        <a:srgbClr val="000000"/>
+                      </a:solidFill>
+                      <a:prstDash val="solid"/>
+                      <a:round/>
+                      <a:headEnd type="none" w="med" len="med"/>
+                      <a:tailEnd type="none" w="med" len="med"/>
+                    </a:lnB>
+                  </a:tcPr>
+                </a:tc>
+                <a:extLst>
+                  <a:ext uri="{0D108BD9-81ED-4DB2-BD59-A6C34878D82A}">
+                    <a16:rowId xmlns:a16="http://schemas.microsoft.com/office/drawing/2014/main" val="3727966443"/>
+                  </a:ext>
+                </a:extLst>
+              </a:tr>
+            </a:tbl>
+          </a:graphicData>
+        </a:graphic>
+      </p:graphicFrame>
+      <p:sp>
+        <p:nvSpPr>
+          <p:cNvPr id="6" name="标题 1">
+            <a:extLst>
+              <a:ext uri="{FF2B5EF4-FFF2-40B4-BE49-F238E27FC236}">
+                <a16:creationId xmlns:a16="http://schemas.microsoft.com/office/drawing/2014/main" id="{F5546BE1-7245-461D-5A1E-61E88DA0DE1B}"/>
+              </a:ext>
+            </a:extLst>
+          </p:cNvPr>
+          <p:cNvSpPr>
+            <a:spLocks noGrp="1"/>
+          </p:cNvSpPr>
+          <p:nvPr>
+            <p:ph type="title"/>
+          </p:nvPr>
+        </p:nvSpPr>
+        <p:spPr>
+          <a:xfrm>
+            <a:off x="455944" y="268623"/>
+            <a:ext cx="10515600" cy="527760"/>
+          </a:xfrm>
+        </p:spPr>
+        <p:txBody>
+          <a:bodyPr>
+            <a:normAutofit fontScale="90000"/>
+          </a:bodyPr>
+          <a:lstStyle/>
+          <a:p>
+            <a:r>
+              <a:rPr kumimoji="1" lang="zh-CN" altLang="en-US" dirty="0"/>
+              <a:t>文档修改记录</a:t>
+            </a:r>
+          </a:p>
+        </p:txBody>
+      </p:sp>
+    </p:spTree>
+    <p:extLst>
+      <p:ext uri="{BB962C8B-B14F-4D97-AF65-F5344CB8AC3E}">
+        <p14:creationId xmlns:p14="http://schemas.microsoft.com/office/powerpoint/2010/main" val="785083180"/>
+      </p:ext>
+    </p:extLst>
+  </p:cSld>
+  <p:clrMapOvr>
+    <a:masterClrMapping/>
+  </p:clrMapOvr>
+</p:sld>
+</file>
+
+<file path=ppt/slides/slide2.xml><?xml version="1.0" encoding="utf-8"?>
+<p:sld xmlns:a="http://schemas.openxmlformats.org/drawingml/2006/main" xmlns:r="http://schemas.openxmlformats.org/officeDocument/2006/relationships" xmlns:p="http://schemas.openxmlformats.org/presentationml/2006/main">
+  <p:cSld>
+    <p:spTree>
+      <p:nvGrpSpPr>
+        <p:cNvPr id="1" name=""/>
+        <p:cNvGrpSpPr/>
+        <p:nvPr/>
+      </p:nvGrpSpPr>
+      <p:grpSpPr>
+        <a:xfrm>
+          <a:off x="0" y="0"/>
+          <a:ext cx="0" cy="0"/>
+          <a:chOff x="0" y="0"/>
+          <a:chExt cx="0" cy="0"/>
+        </a:xfrm>
+      </p:grpSpPr>
+      <p:sp>
+        <p:nvSpPr>
+          <p:cNvPr id="3" name="内容占位符 2">
+            <a:extLst>
+              <a:ext uri="{FF2B5EF4-FFF2-40B4-BE49-F238E27FC236}">
+                <a16:creationId xmlns:a16="http://schemas.microsoft.com/office/drawing/2014/main" id="{D078C383-AB01-D4CD-D455-DE695A1EF733}"/>
+              </a:ext>
+            </a:extLst>
+          </p:cNvPr>
+          <p:cNvSpPr>
+            <a:spLocks noGrp="1"/>
+          </p:cNvSpPr>
+          <p:nvPr>
+            <p:ph idx="1"/>
+          </p:nvPr>
+        </p:nvSpPr>
+        <p:spPr>
+          <a:xfrm>
+            <a:off x="445736" y="1082879"/>
+            <a:ext cx="11300528" cy="2178714"/>
+          </a:xfrm>
+        </p:spPr>
+        <p:txBody>
+          <a:bodyPr>
+            <a:normAutofit fontScale="92500"/>
+          </a:bodyPr>
+          <a:lstStyle/>
+          <a:p>
+            <a:pPr marL="0" indent="0">
+              <a:buNone/>
+            </a:pPr>
+            <a:r>
+              <a:rPr kumimoji="1" lang="zh-CN" altLang="en-US" sz="2800" dirty="0">
+                <a:latin typeface="SimHei" panose="02010609060101010101" pitchFamily="49" charset="-122"/>
+                <a:ea typeface="SimHei" panose="02010609060101010101" pitchFamily="49" charset="-122"/>
+              </a:rPr>
+              <a:t>工艺路线是描述所有物料的制造流程。</a:t>
+            </a:r>
+            <a:endParaRPr kumimoji="1" lang="en-US" altLang="zh-CN" sz="2800" dirty="0">
+              <a:latin typeface="SimHei" panose="02010609060101010101" pitchFamily="49" charset="-122"/>
+              <a:ea typeface="SimHei" panose="02010609060101010101" pitchFamily="49" charset="-122"/>
+            </a:endParaRPr>
+          </a:p>
+          <a:p>
+            <a:r>
+              <a:rPr kumimoji="1" lang="zh-CN" altLang="en-US" sz="2000" dirty="0">
+                <a:latin typeface="SimHei" panose="02010609060101010101" pitchFamily="49" charset="-122"/>
+                <a:ea typeface="SimHei" panose="02010609060101010101" pitchFamily="49" charset="-122"/>
+              </a:rPr>
+              <a:t>物料</a:t>
+            </a:r>
+            <a:r>
+              <a:rPr kumimoji="1" lang="zh-CN" altLang="en" sz="2000" dirty="0">
+                <a:latin typeface="SimHei" panose="02010609060101010101" pitchFamily="49" charset="-122"/>
+                <a:ea typeface="SimHei" panose="02010609060101010101" pitchFamily="49" charset="-122"/>
+              </a:rPr>
+              <a:t>（</a:t>
+            </a:r>
+            <a:r>
+              <a:rPr kumimoji="1" lang="en" altLang="zh-CN" sz="2000" dirty="0">
+                <a:latin typeface="SimHei" panose="02010609060101010101" pitchFamily="49" charset="-122"/>
+                <a:ea typeface="SimHei" panose="02010609060101010101" pitchFamily="49" charset="-122"/>
+              </a:rPr>
+              <a:t>Material</a:t>
+            </a:r>
+            <a:r>
+              <a:rPr kumimoji="1" lang="zh-CN" altLang="en" sz="2000" dirty="0">
+                <a:latin typeface="SimHei" panose="02010609060101010101" pitchFamily="49" charset="-122"/>
+                <a:ea typeface="SimHei" panose="02010609060101010101" pitchFamily="49" charset="-122"/>
+              </a:rPr>
+              <a:t>）</a:t>
+            </a:r>
+            <a:r>
+              <a:rPr kumimoji="1" lang="zh-CN" altLang="en-US" sz="2000" dirty="0">
+                <a:latin typeface="SimHei" panose="02010609060101010101" pitchFamily="49" charset="-122"/>
+                <a:ea typeface="SimHei" panose="02010609060101010101" pitchFamily="49" charset="-122"/>
+              </a:rPr>
+              <a:t>：有一条或多条工艺路线。</a:t>
+            </a:r>
+            <a:endParaRPr kumimoji="1" lang="en-US" altLang="zh-CN" sz="2000" dirty="0">
+              <a:latin typeface="SimHei" panose="02010609060101010101" pitchFamily="49" charset="-122"/>
+              <a:ea typeface="SimHei" panose="02010609060101010101" pitchFamily="49" charset="-122"/>
+            </a:endParaRPr>
+          </a:p>
+          <a:p>
+            <a:r>
+              <a:rPr kumimoji="1" lang="zh-CN" altLang="en-US" sz="2000" dirty="0">
+                <a:latin typeface="SimHei" panose="02010609060101010101" pitchFamily="49" charset="-122"/>
+                <a:ea typeface="SimHei" panose="02010609060101010101" pitchFamily="49" charset="-122"/>
+              </a:rPr>
+              <a:t>工艺路线（</a:t>
+            </a:r>
+            <a:r>
+              <a:rPr kumimoji="1" lang="en-US" altLang="zh-CN" sz="2000" dirty="0">
+                <a:latin typeface="SimHei" panose="02010609060101010101" pitchFamily="49" charset="-122"/>
+                <a:ea typeface="SimHei" panose="02010609060101010101" pitchFamily="49" charset="-122"/>
+              </a:rPr>
+              <a:t>Routing)</a:t>
+            </a:r>
+            <a:r>
+              <a:rPr kumimoji="1" lang="zh-CN" altLang="en-US" sz="2000" dirty="0">
+                <a:latin typeface="SimHei" panose="02010609060101010101" pitchFamily="49" charset="-122"/>
+                <a:ea typeface="SimHei" panose="02010609060101010101" pitchFamily="49" charset="-122"/>
+              </a:rPr>
+              <a:t>：由多道工序顺序连接而成。</a:t>
+            </a:r>
+            <a:endParaRPr kumimoji="1" lang="en-US" altLang="zh-CN" sz="2000" dirty="0">
+              <a:latin typeface="SimHei" panose="02010609060101010101" pitchFamily="49" charset="-122"/>
+              <a:ea typeface="SimHei" panose="02010609060101010101" pitchFamily="49" charset="-122"/>
+            </a:endParaRPr>
+          </a:p>
+          <a:p>
+            <a:r>
+              <a:rPr kumimoji="1" lang="zh-CN" altLang="en-US" sz="2000" dirty="0">
+                <a:latin typeface="SimHei" panose="02010609060101010101" pitchFamily="49" charset="-122"/>
+                <a:ea typeface="SimHei" panose="02010609060101010101" pitchFamily="49" charset="-122"/>
+              </a:rPr>
+              <a:t>工序（</a:t>
+            </a:r>
+            <a:r>
+              <a:rPr kumimoji="1" lang="en-US" altLang="zh-CN" sz="2000" dirty="0">
+                <a:latin typeface="SimHei" panose="02010609060101010101" pitchFamily="49" charset="-122"/>
+                <a:ea typeface="SimHei" panose="02010609060101010101" pitchFamily="49" charset="-122"/>
+              </a:rPr>
+              <a:t>Process</a:t>
+            </a:r>
+            <a:r>
+              <a:rPr kumimoji="1" lang="zh-CN" altLang="en-US" sz="2000" dirty="0">
+                <a:latin typeface="SimHei" panose="02010609060101010101" pitchFamily="49" charset="-122"/>
+                <a:ea typeface="SimHei" panose="02010609060101010101" pitchFamily="49" charset="-122"/>
+              </a:rPr>
+              <a:t>）：由投料（</a:t>
+            </a:r>
+            <a:r>
+              <a:rPr kumimoji="1" lang="en-US" altLang="zh-CN" sz="2000" dirty="0">
+                <a:latin typeface="SimHei" panose="02010609060101010101" pitchFamily="49" charset="-122"/>
+                <a:ea typeface="SimHei" panose="02010609060101010101" pitchFamily="49" charset="-122"/>
+              </a:rPr>
+              <a:t>Input</a:t>
+            </a:r>
+            <a:r>
+              <a:rPr kumimoji="1" lang="zh-CN" altLang="en-US" sz="2000" dirty="0">
+                <a:latin typeface="SimHei" panose="02010609060101010101" pitchFamily="49" charset="-122"/>
+                <a:ea typeface="SimHei" panose="02010609060101010101" pitchFamily="49" charset="-122"/>
+              </a:rPr>
+              <a:t>）、加工（</a:t>
+            </a:r>
+            <a:r>
+              <a:rPr kumimoji="1" lang="en-US" altLang="zh-CN" sz="2000" dirty="0">
+                <a:latin typeface="SimHei" panose="02010609060101010101" pitchFamily="49" charset="-122"/>
+                <a:ea typeface="SimHei" panose="02010609060101010101" pitchFamily="49" charset="-122"/>
+              </a:rPr>
+              <a:t>Processing</a:t>
+            </a:r>
+            <a:r>
+              <a:rPr kumimoji="1" lang="zh-CN" altLang="zh-CN" sz="2000" dirty="0">
+                <a:latin typeface="SimHei" panose="02010609060101010101" pitchFamily="49" charset="-122"/>
+                <a:ea typeface="SimHei" panose="02010609060101010101" pitchFamily="49" charset="-122"/>
+              </a:rPr>
+              <a:t> </a:t>
+            </a:r>
+            <a:r>
+              <a:rPr kumimoji="1" lang="zh-CN" altLang="en-US" sz="2000" dirty="0">
+                <a:latin typeface="SimHei" panose="02010609060101010101" pitchFamily="49" charset="-122"/>
+                <a:ea typeface="SimHei" panose="02010609060101010101" pitchFamily="49" charset="-122"/>
+              </a:rPr>
+              <a:t>）、产出（</a:t>
+            </a:r>
+            <a:r>
+              <a:rPr kumimoji="1" lang="en-US" altLang="zh-CN" sz="2000" dirty="0">
+                <a:latin typeface="SimHei" panose="02010609060101010101" pitchFamily="49" charset="-122"/>
+                <a:ea typeface="SimHei" panose="02010609060101010101" pitchFamily="49" charset="-122"/>
+              </a:rPr>
+              <a:t>Output</a:t>
+            </a:r>
+            <a:r>
+              <a:rPr kumimoji="1" lang="zh-CN" altLang="en-US" sz="2000" dirty="0">
+                <a:latin typeface="SimHei" panose="02010609060101010101" pitchFamily="49" charset="-122"/>
+                <a:ea typeface="SimHei" panose="02010609060101010101" pitchFamily="49" charset="-122"/>
+              </a:rPr>
+              <a:t>）三个步骤（</a:t>
+            </a:r>
+            <a:r>
+              <a:rPr kumimoji="1" lang="en-US" altLang="zh-CN" sz="2000" dirty="0">
+                <a:latin typeface="SimHei" panose="02010609060101010101" pitchFamily="49" charset="-122"/>
+                <a:ea typeface="SimHei" panose="02010609060101010101" pitchFamily="49" charset="-122"/>
+              </a:rPr>
+              <a:t>Step</a:t>
+            </a:r>
+            <a:r>
+              <a:rPr kumimoji="1" lang="zh-CN" altLang="en-US" sz="2000" dirty="0">
+                <a:latin typeface="SimHei" panose="02010609060101010101" pitchFamily="49" charset="-122"/>
+                <a:ea typeface="SimHei" panose="02010609060101010101" pitchFamily="49" charset="-122"/>
+              </a:rPr>
+              <a:t>）组成。</a:t>
+            </a:r>
+            <a:endParaRPr kumimoji="1" lang="en-US" altLang="zh-CN" sz="2000" dirty="0">
+              <a:latin typeface="SimHei" panose="02010609060101010101" pitchFamily="49" charset="-122"/>
+              <a:ea typeface="SimHei" panose="02010609060101010101" pitchFamily="49" charset="-122"/>
+            </a:endParaRPr>
+          </a:p>
+          <a:p>
+            <a:r>
+              <a:rPr kumimoji="1" lang="zh-CN" altLang="en-US" sz="2000" dirty="0">
+                <a:latin typeface="SimHei" panose="02010609060101010101" pitchFamily="49" charset="-122"/>
+                <a:ea typeface="SimHei" panose="02010609060101010101" pitchFamily="49" charset="-122"/>
+              </a:rPr>
+              <a:t>加工（</a:t>
+            </a:r>
+            <a:r>
+              <a:rPr kumimoji="1" lang="en-US" altLang="zh-CN" sz="2000" dirty="0">
+                <a:latin typeface="SimHei" panose="02010609060101010101" pitchFamily="49" charset="-122"/>
+                <a:ea typeface="SimHei" panose="02010609060101010101" pitchFamily="49" charset="-122"/>
+              </a:rPr>
+              <a:t>Processing</a:t>
+            </a:r>
+            <a:r>
+              <a:rPr kumimoji="1" lang="zh-CN" altLang="en-US" sz="2000" dirty="0">
+                <a:latin typeface="SimHei" panose="02010609060101010101" pitchFamily="49" charset="-122"/>
+                <a:ea typeface="SimHei" panose="02010609060101010101" pitchFamily="49" charset="-122"/>
+              </a:rPr>
+              <a:t>）：步骤由资源（</a:t>
+            </a:r>
+            <a:r>
+              <a:rPr kumimoji="1" lang="en-US" altLang="zh-CN" sz="2000" dirty="0">
+                <a:latin typeface="SimHei" panose="02010609060101010101" pitchFamily="49" charset="-122"/>
+                <a:ea typeface="SimHei" panose="02010609060101010101" pitchFamily="49" charset="-122"/>
+              </a:rPr>
+              <a:t>Resource</a:t>
+            </a:r>
+            <a:r>
+              <a:rPr kumimoji="1" lang="zh-CN" altLang="en-US" sz="2000" dirty="0">
+                <a:latin typeface="SimHei" panose="02010609060101010101" pitchFamily="49" charset="-122"/>
+                <a:ea typeface="SimHei" panose="02010609060101010101" pitchFamily="49" charset="-122"/>
+              </a:rPr>
+              <a:t>）的准备时间、加工时间和拆卸时间三个时间段组成。</a:t>
+            </a:r>
+            <a:endParaRPr kumimoji="1" lang="en-US" altLang="zh-CN" sz="2000" dirty="0">
+              <a:latin typeface="SimHei" panose="02010609060101010101" pitchFamily="49" charset="-122"/>
+              <a:ea typeface="SimHei" panose="02010609060101010101" pitchFamily="49" charset="-122"/>
+            </a:endParaRPr>
+          </a:p>
+        </p:txBody>
+      </p:sp>
+      <p:sp>
+        <p:nvSpPr>
+          <p:cNvPr id="6" name="标题 1">
+            <a:extLst>
+              <a:ext uri="{FF2B5EF4-FFF2-40B4-BE49-F238E27FC236}">
+                <a16:creationId xmlns:a16="http://schemas.microsoft.com/office/drawing/2014/main" id="{F13EA412-E8D0-B9C6-1D50-38AFC461D1C9}"/>
+              </a:ext>
+            </a:extLst>
+          </p:cNvPr>
+          <p:cNvSpPr txBox="1">
+            <a:spLocks/>
+          </p:cNvSpPr>
+          <p:nvPr/>
+        </p:nvSpPr>
+        <p:spPr>
+          <a:xfrm>
+            <a:off x="455944" y="268623"/>
+            <a:ext cx="10515600" cy="527760"/>
+          </a:xfrm>
+          <a:prstGeom prst="rect">
+            <a:avLst/>
+          </a:prstGeom>
+        </p:spPr>
+        <p:txBody>
+          <a:bodyPr vert="horz" lIns="91440" tIns="45720" rIns="91440" bIns="45720" rtlCol="0" anchor="ctr">
+            <a:normAutofit fontScale="82500" lnSpcReduction="20000"/>
+          </a:bodyPr>
+          <a:lstStyle>
+            <a:lvl1pPr algn="l" defTabSz="914400" rtl="0" eaLnBrk="1" latinLnBrk="0" hangingPunct="1">
+              <a:lnSpc>
+                <a:spcPct val="90000"/>
+              </a:lnSpc>
+              <a:spcBef>
+                <a:spcPct val="0"/>
+              </a:spcBef>
+              <a:buNone/>
+              <a:defRPr sz="4400" kern="1200">
+                <a:solidFill>
+                  <a:schemeClr val="tx1"/>
+                </a:solidFill>
+                <a:latin typeface="+mj-lt"/>
+                <a:ea typeface="+mj-ea"/>
+                <a:cs typeface="+mj-cs"/>
+              </a:defRPr>
+            </a:lvl1pPr>
+          </a:lstStyle>
+          <a:p>
+            <a:r>
+              <a:rPr kumimoji="1" lang="zh-CN" altLang="en-US" dirty="0"/>
+              <a:t>定义：概念及其关系</a:t>
+            </a:r>
+          </a:p>
+        </p:txBody>
+      </p:sp>
+      <p:grpSp>
+        <p:nvGrpSpPr>
+          <p:cNvPr id="57" name="组合 56">
+            <a:extLst>
+              <a:ext uri="{FF2B5EF4-FFF2-40B4-BE49-F238E27FC236}">
+                <a16:creationId xmlns:a16="http://schemas.microsoft.com/office/drawing/2014/main" id="{4B83781A-09B8-E4F3-7433-4EDB8E1380BB}"/>
+              </a:ext>
+            </a:extLst>
+          </p:cNvPr>
+          <p:cNvGrpSpPr/>
+          <p:nvPr/>
+        </p:nvGrpSpPr>
+        <p:grpSpPr>
+          <a:xfrm>
+            <a:off x="1863135" y="3505057"/>
+            <a:ext cx="8240354" cy="2971670"/>
+            <a:chOff x="1798589" y="3527891"/>
+            <a:chExt cx="8240354" cy="2971670"/>
+          </a:xfrm>
+        </p:grpSpPr>
+        <p:grpSp>
+          <p:nvGrpSpPr>
+            <p:cNvPr id="35" name="组合 34">
+              <a:extLst>
+                <a:ext uri="{FF2B5EF4-FFF2-40B4-BE49-F238E27FC236}">
+                  <a16:creationId xmlns:a16="http://schemas.microsoft.com/office/drawing/2014/main" id="{C8AC6AEC-102D-7958-0BB1-B2303079B6A0}"/>
+                </a:ext>
+              </a:extLst>
+            </p:cNvPr>
+            <p:cNvGrpSpPr/>
+            <p:nvPr/>
+          </p:nvGrpSpPr>
+          <p:grpSpPr>
+            <a:xfrm>
+              <a:off x="1798589" y="3527891"/>
+              <a:ext cx="8240354" cy="2971670"/>
+              <a:chOff x="1660263" y="3632684"/>
+              <a:chExt cx="8240354" cy="2971670"/>
+            </a:xfrm>
+          </p:grpSpPr>
+          <p:sp>
+            <p:nvSpPr>
+              <p:cNvPr id="4" name="椭圆 3">
+                <a:extLst>
+                  <a:ext uri="{FF2B5EF4-FFF2-40B4-BE49-F238E27FC236}">
+                    <a16:creationId xmlns:a16="http://schemas.microsoft.com/office/drawing/2014/main" id="{E773594E-A58D-8864-94C8-7778D01EEA11}"/>
+                  </a:ext>
+                </a:extLst>
+              </p:cNvPr>
+              <p:cNvSpPr/>
+              <p:nvPr/>
+            </p:nvSpPr>
+            <p:spPr>
+              <a:xfrm>
+                <a:off x="3153783" y="4690333"/>
+                <a:ext cx="772758" cy="772758"/>
+              </a:xfrm>
+              <a:prstGeom prst="ellipse">
+                <a:avLst/>
+              </a:prstGeom>
+              <a:solidFill>
+                <a:srgbClr val="FEA739"/>
+              </a:solidFill>
+            </p:spPr>
+            <p:style>
+              <a:lnRef idx="2">
+                <a:schemeClr val="accent1">
+                  <a:shade val="15000"/>
+                </a:schemeClr>
+              </a:lnRef>
+              <a:fillRef idx="1">
+                <a:schemeClr val="accent1"/>
+              </a:fillRef>
+              <a:effectRef idx="0">
+                <a:schemeClr val="accent1"/>
+              </a:effectRef>
+              <a:fontRef idx="minor">
+                <a:schemeClr val="lt1"/>
+              </a:fontRef>
+            </p:style>
+            <p:txBody>
+              <a:bodyPr rtlCol="0" anchor="ctr"/>
+              <a:lstStyle/>
+              <a:p>
+                <a:pPr algn="ctr"/>
+                <a:r>
+                  <a:rPr kumimoji="1" lang="zh-CN" altLang="en-US" sz="1400" dirty="0"/>
+                  <a:t>工艺</a:t>
+                </a:r>
+                <a:endParaRPr kumimoji="1" lang="en-US" altLang="zh-CN" sz="1400" dirty="0"/>
+              </a:p>
+              <a:p>
+                <a:pPr algn="ctr"/>
+                <a:r>
+                  <a:rPr kumimoji="1" lang="zh-CN" altLang="en-US" sz="1400" dirty="0"/>
+                  <a:t>路线</a:t>
+                </a:r>
+              </a:p>
+            </p:txBody>
+          </p:sp>
+          <p:sp>
+            <p:nvSpPr>
+              <p:cNvPr id="5" name="椭圆 4">
+                <a:extLst>
+                  <a:ext uri="{FF2B5EF4-FFF2-40B4-BE49-F238E27FC236}">
+                    <a16:creationId xmlns:a16="http://schemas.microsoft.com/office/drawing/2014/main" id="{E93FEF3F-8464-6147-D833-E1DEF38DE869}"/>
+                  </a:ext>
+                </a:extLst>
+              </p:cNvPr>
+              <p:cNvSpPr/>
+              <p:nvPr/>
+            </p:nvSpPr>
+            <p:spPr>
+              <a:xfrm>
+                <a:off x="1660263" y="4690333"/>
+                <a:ext cx="772758" cy="772758"/>
+              </a:xfrm>
+              <a:prstGeom prst="ellipse">
+                <a:avLst/>
+              </a:prstGeom>
+              <a:solidFill>
+                <a:srgbClr val="FEA739"/>
+              </a:solidFill>
+            </p:spPr>
+            <p:style>
+              <a:lnRef idx="2">
+                <a:schemeClr val="accent1">
+                  <a:shade val="15000"/>
+                </a:schemeClr>
+              </a:lnRef>
+              <a:fillRef idx="1">
+                <a:schemeClr val="accent1"/>
+              </a:fillRef>
+              <a:effectRef idx="0">
+                <a:schemeClr val="accent1"/>
+              </a:effectRef>
+              <a:fontRef idx="minor">
+                <a:schemeClr val="lt1"/>
+              </a:fontRef>
+            </p:style>
+            <p:txBody>
+              <a:bodyPr rtlCol="0" anchor="ctr"/>
+              <a:lstStyle/>
+              <a:p>
+                <a:pPr algn="ctr"/>
+                <a:r>
+                  <a:rPr kumimoji="1" lang="zh-CN" altLang="en-US" sz="1400" dirty="0"/>
+                  <a:t>物料</a:t>
+                </a:r>
+              </a:p>
+            </p:txBody>
+          </p:sp>
+          <p:sp>
+            <p:nvSpPr>
+              <p:cNvPr id="7" name="椭圆 6">
+                <a:extLst>
+                  <a:ext uri="{FF2B5EF4-FFF2-40B4-BE49-F238E27FC236}">
+                    <a16:creationId xmlns:a16="http://schemas.microsoft.com/office/drawing/2014/main" id="{BFCF02D6-9EE7-4AE9-F53B-AFBE240F274A}"/>
+                  </a:ext>
+                </a:extLst>
+              </p:cNvPr>
+              <p:cNvSpPr/>
+              <p:nvPr/>
+            </p:nvSpPr>
+            <p:spPr>
+              <a:xfrm>
+                <a:off x="4647302" y="4690333"/>
+                <a:ext cx="772758" cy="772758"/>
+              </a:xfrm>
+              <a:prstGeom prst="ellipse">
+                <a:avLst/>
+              </a:prstGeom>
+              <a:solidFill>
+                <a:srgbClr val="FEA739"/>
+              </a:solidFill>
+            </p:spPr>
+            <p:style>
+              <a:lnRef idx="2">
+                <a:schemeClr val="accent1">
+                  <a:shade val="15000"/>
+                </a:schemeClr>
+              </a:lnRef>
+              <a:fillRef idx="1">
+                <a:schemeClr val="accent1"/>
+              </a:fillRef>
+              <a:effectRef idx="0">
+                <a:schemeClr val="accent1"/>
+              </a:effectRef>
+              <a:fontRef idx="minor">
+                <a:schemeClr val="lt1"/>
+              </a:fontRef>
+            </p:style>
+            <p:txBody>
+              <a:bodyPr rtlCol="0" anchor="ctr"/>
+              <a:lstStyle/>
+              <a:p>
+                <a:pPr algn="ctr"/>
+                <a:r>
+                  <a:rPr kumimoji="1" lang="zh-CN" altLang="en-US" sz="1400" dirty="0"/>
+                  <a:t>工序</a:t>
+                </a:r>
+              </a:p>
+            </p:txBody>
+          </p:sp>
+          <p:sp>
+            <p:nvSpPr>
+              <p:cNvPr id="8" name="椭圆 7">
+                <a:extLst>
+                  <a:ext uri="{FF2B5EF4-FFF2-40B4-BE49-F238E27FC236}">
+                    <a16:creationId xmlns:a16="http://schemas.microsoft.com/office/drawing/2014/main" id="{F80B3D67-6639-33F6-C955-34164CF0F5B1}"/>
+                  </a:ext>
+                </a:extLst>
+              </p:cNvPr>
+              <p:cNvSpPr/>
+              <p:nvPr/>
+            </p:nvSpPr>
+            <p:spPr>
+              <a:xfrm>
+                <a:off x="6140821" y="4690333"/>
+                <a:ext cx="772758" cy="772758"/>
+              </a:xfrm>
+              <a:prstGeom prst="ellipse">
+                <a:avLst/>
+              </a:prstGeom>
+              <a:solidFill>
+                <a:srgbClr val="FEA739"/>
+              </a:solidFill>
+            </p:spPr>
+            <p:style>
+              <a:lnRef idx="2">
+                <a:schemeClr val="accent1">
+                  <a:shade val="15000"/>
+                </a:schemeClr>
+              </a:lnRef>
+              <a:fillRef idx="1">
+                <a:schemeClr val="accent1"/>
+              </a:fillRef>
+              <a:effectRef idx="0">
+                <a:schemeClr val="accent1"/>
+              </a:effectRef>
+              <a:fontRef idx="minor">
+                <a:schemeClr val="lt1"/>
+              </a:fontRef>
+            </p:style>
+            <p:txBody>
+              <a:bodyPr rtlCol="0" anchor="ctr"/>
+              <a:lstStyle/>
+              <a:p>
+                <a:pPr algn="ctr"/>
+                <a:r>
+                  <a:rPr kumimoji="1" lang="zh-CN" altLang="en-US" sz="1400" dirty="0"/>
+                  <a:t>加工</a:t>
+                </a:r>
+              </a:p>
+            </p:txBody>
+          </p:sp>
+          <p:sp>
+            <p:nvSpPr>
+              <p:cNvPr id="9" name="椭圆 8">
+                <a:extLst>
+                  <a:ext uri="{FF2B5EF4-FFF2-40B4-BE49-F238E27FC236}">
+                    <a16:creationId xmlns:a16="http://schemas.microsoft.com/office/drawing/2014/main" id="{B0B23A4A-9D70-E653-12BB-8CFB57F7C96B}"/>
+                  </a:ext>
+                </a:extLst>
+              </p:cNvPr>
+              <p:cNvSpPr/>
+              <p:nvPr/>
+            </p:nvSpPr>
+            <p:spPr>
+              <a:xfrm>
+                <a:off x="6140821" y="3632684"/>
+                <a:ext cx="772758" cy="772758"/>
+              </a:xfrm>
+              <a:prstGeom prst="ellipse">
+                <a:avLst/>
+              </a:prstGeom>
+              <a:solidFill>
+                <a:srgbClr val="FEA739"/>
+              </a:solidFill>
+            </p:spPr>
+            <p:style>
+              <a:lnRef idx="2">
+                <a:schemeClr val="accent1">
+                  <a:shade val="15000"/>
+                </a:schemeClr>
+              </a:lnRef>
+              <a:fillRef idx="1">
+                <a:schemeClr val="accent1"/>
+              </a:fillRef>
+              <a:effectRef idx="0">
+                <a:schemeClr val="accent1"/>
+              </a:effectRef>
+              <a:fontRef idx="minor">
+                <a:schemeClr val="lt1"/>
+              </a:fontRef>
+            </p:style>
+            <p:txBody>
+              <a:bodyPr rtlCol="0" anchor="ctr"/>
+              <a:lstStyle/>
+              <a:p>
+                <a:pPr algn="ctr"/>
+                <a:r>
+                  <a:rPr kumimoji="1" lang="zh-CN" altLang="en-US" sz="1400" dirty="0"/>
+                  <a:t>投料</a:t>
+                </a:r>
+              </a:p>
+            </p:txBody>
+          </p:sp>
+          <p:sp>
+            <p:nvSpPr>
+              <p:cNvPr id="10" name="椭圆 9">
+                <a:extLst>
+                  <a:ext uri="{FF2B5EF4-FFF2-40B4-BE49-F238E27FC236}">
+                    <a16:creationId xmlns:a16="http://schemas.microsoft.com/office/drawing/2014/main" id="{AFB72694-4ECC-3E0F-37CC-B7251048B382}"/>
+                  </a:ext>
+                </a:extLst>
+              </p:cNvPr>
+              <p:cNvSpPr/>
+              <p:nvPr/>
+            </p:nvSpPr>
+            <p:spPr>
+              <a:xfrm>
+                <a:off x="6140821" y="5846506"/>
+                <a:ext cx="772758" cy="742939"/>
+              </a:xfrm>
+              <a:prstGeom prst="ellipse">
+                <a:avLst/>
+              </a:prstGeom>
+              <a:solidFill>
+                <a:srgbClr val="FEA739"/>
+              </a:solidFill>
+            </p:spPr>
+            <p:style>
+              <a:lnRef idx="2">
+                <a:schemeClr val="accent1">
+                  <a:shade val="15000"/>
+                </a:schemeClr>
+              </a:lnRef>
+              <a:fillRef idx="1">
+                <a:schemeClr val="accent1"/>
+              </a:fillRef>
+              <a:effectRef idx="0">
+                <a:schemeClr val="accent1"/>
+              </a:effectRef>
+              <a:fontRef idx="minor">
+                <a:schemeClr val="lt1"/>
+              </a:fontRef>
+            </p:style>
+            <p:txBody>
+              <a:bodyPr rtlCol="0" anchor="ctr"/>
+              <a:lstStyle/>
+              <a:p>
+                <a:pPr algn="ctr"/>
+                <a:r>
+                  <a:rPr kumimoji="1" lang="zh-CN" altLang="en-US" sz="1400" dirty="0"/>
+                  <a:t>产出</a:t>
+                </a:r>
+              </a:p>
+            </p:txBody>
+          </p:sp>
+          <p:sp>
+            <p:nvSpPr>
+              <p:cNvPr id="11" name="椭圆 10">
+                <a:extLst>
+                  <a:ext uri="{FF2B5EF4-FFF2-40B4-BE49-F238E27FC236}">
+                    <a16:creationId xmlns:a16="http://schemas.microsoft.com/office/drawing/2014/main" id="{0A1AFB24-056B-7DD6-1372-36F784BB5DFE}"/>
+                  </a:ext>
+                </a:extLst>
+              </p:cNvPr>
+              <p:cNvSpPr/>
+              <p:nvPr/>
+            </p:nvSpPr>
+            <p:spPr>
+              <a:xfrm>
+                <a:off x="7634340" y="4690333"/>
+                <a:ext cx="772758" cy="772758"/>
+              </a:xfrm>
+              <a:prstGeom prst="ellipse">
+                <a:avLst/>
+              </a:prstGeom>
+              <a:solidFill>
+                <a:srgbClr val="FEA739"/>
+              </a:solidFill>
+            </p:spPr>
+            <p:style>
+              <a:lnRef idx="2">
+                <a:schemeClr val="accent1">
+                  <a:shade val="15000"/>
+                </a:schemeClr>
+              </a:lnRef>
+              <a:fillRef idx="1">
+                <a:schemeClr val="accent1"/>
+              </a:fillRef>
+              <a:effectRef idx="0">
+                <a:schemeClr val="accent1"/>
+              </a:effectRef>
+              <a:fontRef idx="minor">
+                <a:schemeClr val="lt1"/>
+              </a:fontRef>
+            </p:style>
+            <p:txBody>
+              <a:bodyPr rtlCol="0" anchor="ctr"/>
+              <a:lstStyle/>
+              <a:p>
+                <a:pPr algn="ctr"/>
+                <a:r>
+                  <a:rPr kumimoji="1" lang="zh-CN" altLang="en-US" sz="1400" dirty="0"/>
+                  <a:t>资源</a:t>
+                </a:r>
+              </a:p>
+            </p:txBody>
+          </p:sp>
+          <p:sp>
+            <p:nvSpPr>
+              <p:cNvPr id="13" name="椭圆 12">
+                <a:extLst>
+                  <a:ext uri="{FF2B5EF4-FFF2-40B4-BE49-F238E27FC236}">
+                    <a16:creationId xmlns:a16="http://schemas.microsoft.com/office/drawing/2014/main" id="{34E82C6A-A8E3-BCF9-73E6-8010B0D2C740}"/>
+                  </a:ext>
+                </a:extLst>
+              </p:cNvPr>
+              <p:cNvSpPr/>
+              <p:nvPr/>
+            </p:nvSpPr>
+            <p:spPr>
+              <a:xfrm>
+                <a:off x="9127859" y="4720152"/>
+                <a:ext cx="772758" cy="772758"/>
+              </a:xfrm>
+              <a:prstGeom prst="ellipse">
+                <a:avLst/>
+              </a:prstGeom>
+              <a:solidFill>
+                <a:srgbClr val="FEA739"/>
+              </a:solidFill>
+            </p:spPr>
+            <p:style>
+              <a:lnRef idx="2">
+                <a:schemeClr val="accent1">
+                  <a:shade val="15000"/>
+                </a:schemeClr>
+              </a:lnRef>
+              <a:fillRef idx="1">
+                <a:schemeClr val="accent1"/>
+              </a:fillRef>
+              <a:effectRef idx="0">
+                <a:schemeClr val="accent1"/>
+              </a:effectRef>
+              <a:fontRef idx="minor">
+                <a:schemeClr val="lt1"/>
+              </a:fontRef>
+            </p:style>
+            <p:txBody>
+              <a:bodyPr rtlCol="0" anchor="ctr"/>
+              <a:lstStyle/>
+              <a:p>
+                <a:pPr algn="ctr"/>
+                <a:r>
+                  <a:rPr kumimoji="1" lang="zh-CN" altLang="en-US" sz="1400" dirty="0"/>
+                  <a:t>加工时间</a:t>
+                </a:r>
+              </a:p>
+            </p:txBody>
+          </p:sp>
+          <p:sp>
+            <p:nvSpPr>
+              <p:cNvPr id="14" name="椭圆 13">
+                <a:extLst>
+                  <a:ext uri="{FF2B5EF4-FFF2-40B4-BE49-F238E27FC236}">
+                    <a16:creationId xmlns:a16="http://schemas.microsoft.com/office/drawing/2014/main" id="{C30AEC61-07C3-67B5-303D-344C225249E9}"/>
+                  </a:ext>
+                </a:extLst>
+              </p:cNvPr>
+              <p:cNvSpPr/>
+              <p:nvPr/>
+            </p:nvSpPr>
+            <p:spPr>
+              <a:xfrm>
+                <a:off x="9127859" y="3662503"/>
+                <a:ext cx="772758" cy="772758"/>
+              </a:xfrm>
+              <a:prstGeom prst="ellipse">
+                <a:avLst/>
+              </a:prstGeom>
+              <a:solidFill>
+                <a:srgbClr val="FEA739"/>
+              </a:solidFill>
+            </p:spPr>
+            <p:style>
+              <a:lnRef idx="2">
+                <a:schemeClr val="accent1">
+                  <a:shade val="15000"/>
+                </a:schemeClr>
+              </a:lnRef>
+              <a:fillRef idx="1">
+                <a:schemeClr val="accent1"/>
+              </a:fillRef>
+              <a:effectRef idx="0">
+                <a:schemeClr val="accent1"/>
+              </a:effectRef>
+              <a:fontRef idx="minor">
+                <a:schemeClr val="lt1"/>
+              </a:fontRef>
+            </p:style>
+            <p:txBody>
+              <a:bodyPr rtlCol="0" anchor="ctr"/>
+              <a:lstStyle/>
+              <a:p>
+                <a:pPr algn="ctr"/>
+                <a:r>
+                  <a:rPr kumimoji="1" lang="zh-CN" altLang="en-US" sz="1400" dirty="0"/>
+                  <a:t>准备时间</a:t>
+                </a:r>
+              </a:p>
+            </p:txBody>
+          </p:sp>
+          <p:sp>
+            <p:nvSpPr>
+              <p:cNvPr id="15" name="椭圆 14">
+                <a:extLst>
+                  <a:ext uri="{FF2B5EF4-FFF2-40B4-BE49-F238E27FC236}">
+                    <a16:creationId xmlns:a16="http://schemas.microsoft.com/office/drawing/2014/main" id="{D04F8176-000B-74E1-B10E-14F6B35A1C81}"/>
+                  </a:ext>
+                </a:extLst>
+              </p:cNvPr>
+              <p:cNvSpPr/>
+              <p:nvPr/>
+            </p:nvSpPr>
+            <p:spPr>
+              <a:xfrm>
+                <a:off x="9127859" y="5831596"/>
+                <a:ext cx="772758" cy="772758"/>
+              </a:xfrm>
+              <a:prstGeom prst="ellipse">
+                <a:avLst/>
+              </a:prstGeom>
+              <a:solidFill>
+                <a:srgbClr val="FEA739"/>
+              </a:solidFill>
+            </p:spPr>
+            <p:style>
+              <a:lnRef idx="2">
+                <a:schemeClr val="accent1">
+                  <a:shade val="15000"/>
+                </a:schemeClr>
+              </a:lnRef>
+              <a:fillRef idx="1">
+                <a:schemeClr val="accent1"/>
+              </a:fillRef>
+              <a:effectRef idx="0">
+                <a:schemeClr val="accent1"/>
+              </a:effectRef>
+              <a:fontRef idx="minor">
+                <a:schemeClr val="lt1"/>
+              </a:fontRef>
+            </p:style>
+            <p:txBody>
+              <a:bodyPr rtlCol="0" anchor="ctr"/>
+              <a:lstStyle/>
+              <a:p>
+                <a:pPr algn="ctr"/>
+                <a:r>
+                  <a:rPr kumimoji="1" lang="zh-CN" altLang="en-US" sz="1400" dirty="0"/>
+                  <a:t>拆卸时间</a:t>
+                </a:r>
+              </a:p>
+            </p:txBody>
+          </p:sp>
+          <p:cxnSp>
+            <p:nvCxnSpPr>
+              <p:cNvPr id="17" name="直线箭头连接符 16">
+                <a:extLst>
+                  <a:ext uri="{FF2B5EF4-FFF2-40B4-BE49-F238E27FC236}">
+                    <a16:creationId xmlns:a16="http://schemas.microsoft.com/office/drawing/2014/main" id="{BA47E0CF-EC3C-6FDA-DA04-4DC622DEA0EF}"/>
+                  </a:ext>
+                </a:extLst>
+              </p:cNvPr>
+              <p:cNvCxnSpPr>
+                <a:stCxn id="5" idx="6"/>
+                <a:endCxn id="4" idx="2"/>
+              </p:cNvCxnSpPr>
+              <p:nvPr/>
+            </p:nvCxnSpPr>
+            <p:spPr>
+              <a:xfrm>
+                <a:off x="2433021" y="5076712"/>
+                <a:ext cx="720762" cy="0"/>
+              </a:xfrm>
+              <a:prstGeom prst="straightConnector1">
+                <a:avLst/>
+              </a:prstGeom>
+              <a:ln>
+                <a:tailEnd type="triangle"/>
+              </a:ln>
+            </p:spPr>
+            <p:style>
+              <a:lnRef idx="1">
+                <a:schemeClr val="accent1"/>
+              </a:lnRef>
+              <a:fillRef idx="0">
+                <a:schemeClr val="accent1"/>
+              </a:fillRef>
+              <a:effectRef idx="0">
+                <a:schemeClr val="accent1"/>
+              </a:effectRef>
+              <a:fontRef idx="minor">
+                <a:schemeClr val="tx1"/>
+              </a:fontRef>
+            </p:style>
+          </p:cxnSp>
+          <p:cxnSp>
+            <p:nvCxnSpPr>
+              <p:cNvPr id="19" name="直线箭头连接符 18">
+                <a:extLst>
+                  <a:ext uri="{FF2B5EF4-FFF2-40B4-BE49-F238E27FC236}">
+                    <a16:creationId xmlns:a16="http://schemas.microsoft.com/office/drawing/2014/main" id="{8F06F1A7-38EE-9E18-878F-77208558F1C7}"/>
+                  </a:ext>
+                </a:extLst>
+              </p:cNvPr>
+              <p:cNvCxnSpPr>
+                <a:stCxn id="4" idx="6"/>
+                <a:endCxn id="7" idx="2"/>
+              </p:cNvCxnSpPr>
+              <p:nvPr/>
+            </p:nvCxnSpPr>
+            <p:spPr>
+              <a:xfrm>
+                <a:off x="3926541" y="5076712"/>
+                <a:ext cx="720761" cy="0"/>
+              </a:xfrm>
+              <a:prstGeom prst="straightConnector1">
+                <a:avLst/>
+              </a:prstGeom>
+              <a:ln>
+                <a:tailEnd type="triangle"/>
+              </a:ln>
+            </p:spPr>
+            <p:style>
+              <a:lnRef idx="1">
+                <a:schemeClr val="accent1"/>
+              </a:lnRef>
+              <a:fillRef idx="0">
+                <a:schemeClr val="accent1"/>
+              </a:fillRef>
+              <a:effectRef idx="0">
+                <a:schemeClr val="accent1"/>
+              </a:effectRef>
+              <a:fontRef idx="minor">
+                <a:schemeClr val="tx1"/>
+              </a:fontRef>
+            </p:style>
+          </p:cxnSp>
+          <p:cxnSp>
+            <p:nvCxnSpPr>
+              <p:cNvPr id="21" name="直线箭头连接符 20">
+                <a:extLst>
+                  <a:ext uri="{FF2B5EF4-FFF2-40B4-BE49-F238E27FC236}">
+                    <a16:creationId xmlns:a16="http://schemas.microsoft.com/office/drawing/2014/main" id="{72CBBB67-9171-A854-0DA7-963E3544F5C3}"/>
+                  </a:ext>
+                </a:extLst>
+              </p:cNvPr>
+              <p:cNvCxnSpPr>
+                <a:stCxn id="7" idx="6"/>
+                <a:endCxn id="8" idx="2"/>
+              </p:cNvCxnSpPr>
+              <p:nvPr/>
+            </p:nvCxnSpPr>
+            <p:spPr>
+              <a:xfrm>
+                <a:off x="5420060" y="5076712"/>
+                <a:ext cx="720761" cy="0"/>
+              </a:xfrm>
+              <a:prstGeom prst="straightConnector1">
+                <a:avLst/>
+              </a:prstGeom>
+              <a:ln>
+                <a:tailEnd type="triangle"/>
+              </a:ln>
+            </p:spPr>
+            <p:style>
+              <a:lnRef idx="1">
+                <a:schemeClr val="accent1"/>
+              </a:lnRef>
+              <a:fillRef idx="0">
+                <a:schemeClr val="accent1"/>
+              </a:fillRef>
+              <a:effectRef idx="0">
+                <a:schemeClr val="accent1"/>
+              </a:effectRef>
+              <a:fontRef idx="minor">
+                <a:schemeClr val="tx1"/>
+              </a:fontRef>
+            </p:style>
+          </p:cxnSp>
+          <p:cxnSp>
+            <p:nvCxnSpPr>
+              <p:cNvPr id="22" name="直线箭头连接符 21">
+                <a:extLst>
+                  <a:ext uri="{FF2B5EF4-FFF2-40B4-BE49-F238E27FC236}">
+                    <a16:creationId xmlns:a16="http://schemas.microsoft.com/office/drawing/2014/main" id="{A332B99D-98D6-A875-B5D4-C9340F799849}"/>
+                  </a:ext>
+                </a:extLst>
+              </p:cNvPr>
+              <p:cNvCxnSpPr>
+                <a:cxnSpLocks/>
+                <a:stCxn id="7" idx="6"/>
+                <a:endCxn id="9" idx="3"/>
+              </p:cNvCxnSpPr>
+              <p:nvPr/>
+            </p:nvCxnSpPr>
+            <p:spPr>
+              <a:xfrm flipV="1">
+                <a:off x="5420060" y="4292274"/>
+                <a:ext cx="833929" cy="784438"/>
+              </a:xfrm>
+              <a:prstGeom prst="straightConnector1">
+                <a:avLst/>
+              </a:prstGeom>
+              <a:ln>
+                <a:tailEnd type="triangle"/>
+              </a:ln>
+            </p:spPr>
+            <p:style>
+              <a:lnRef idx="1">
+                <a:schemeClr val="accent1"/>
+              </a:lnRef>
+              <a:fillRef idx="0">
+                <a:schemeClr val="accent1"/>
+              </a:fillRef>
+              <a:effectRef idx="0">
+                <a:schemeClr val="accent1"/>
+              </a:effectRef>
+              <a:fontRef idx="minor">
+                <a:schemeClr val="tx1"/>
+              </a:fontRef>
+            </p:style>
+          </p:cxnSp>
+          <p:cxnSp>
+            <p:nvCxnSpPr>
+              <p:cNvPr id="25" name="直线箭头连接符 24">
+                <a:extLst>
+                  <a:ext uri="{FF2B5EF4-FFF2-40B4-BE49-F238E27FC236}">
+                    <a16:creationId xmlns:a16="http://schemas.microsoft.com/office/drawing/2014/main" id="{5F5C85F2-30E8-FB03-70A4-A397A4712654}"/>
+                  </a:ext>
+                </a:extLst>
+              </p:cNvPr>
+              <p:cNvCxnSpPr>
+                <a:cxnSpLocks/>
+                <a:stCxn id="7" idx="6"/>
+                <a:endCxn id="10" idx="1"/>
+              </p:cNvCxnSpPr>
+              <p:nvPr/>
+            </p:nvCxnSpPr>
+            <p:spPr>
+              <a:xfrm>
+                <a:off x="5420060" y="5076712"/>
+                <a:ext cx="833929" cy="878595"/>
+              </a:xfrm>
+              <a:prstGeom prst="straightConnector1">
+                <a:avLst/>
+              </a:prstGeom>
+              <a:ln>
+                <a:tailEnd type="triangle"/>
+              </a:ln>
+            </p:spPr>
+            <p:style>
+              <a:lnRef idx="1">
+                <a:schemeClr val="accent1"/>
+              </a:lnRef>
+              <a:fillRef idx="0">
+                <a:schemeClr val="accent1"/>
+              </a:fillRef>
+              <a:effectRef idx="0">
+                <a:schemeClr val="accent1"/>
+              </a:effectRef>
+              <a:fontRef idx="minor">
+                <a:schemeClr val="tx1"/>
+              </a:fontRef>
+            </p:style>
+          </p:cxnSp>
+          <p:cxnSp>
+            <p:nvCxnSpPr>
+              <p:cNvPr id="28" name="直线箭头连接符 27">
+                <a:extLst>
+                  <a:ext uri="{FF2B5EF4-FFF2-40B4-BE49-F238E27FC236}">
+                    <a16:creationId xmlns:a16="http://schemas.microsoft.com/office/drawing/2014/main" id="{C65D083C-4807-A801-2224-BB9C44F785B9}"/>
+                  </a:ext>
+                </a:extLst>
+              </p:cNvPr>
+              <p:cNvCxnSpPr/>
+              <p:nvPr/>
+            </p:nvCxnSpPr>
+            <p:spPr>
+              <a:xfrm>
+                <a:off x="6913579" y="5076712"/>
+                <a:ext cx="720761" cy="0"/>
+              </a:xfrm>
+              <a:prstGeom prst="straightConnector1">
+                <a:avLst/>
+              </a:prstGeom>
+              <a:ln>
+                <a:tailEnd type="triangle"/>
+              </a:ln>
+            </p:spPr>
+            <p:style>
+              <a:lnRef idx="1">
+                <a:schemeClr val="accent1"/>
+              </a:lnRef>
+              <a:fillRef idx="0">
+                <a:schemeClr val="accent1"/>
+              </a:fillRef>
+              <a:effectRef idx="0">
+                <a:schemeClr val="accent1"/>
+              </a:effectRef>
+              <a:fontRef idx="minor">
+                <a:schemeClr val="tx1"/>
+              </a:fontRef>
+            </p:style>
+          </p:cxnSp>
+          <p:cxnSp>
+            <p:nvCxnSpPr>
+              <p:cNvPr id="29" name="直线箭头连接符 28">
+                <a:extLst>
+                  <a:ext uri="{FF2B5EF4-FFF2-40B4-BE49-F238E27FC236}">
+                    <a16:creationId xmlns:a16="http://schemas.microsoft.com/office/drawing/2014/main" id="{6A902A44-19C1-DF5F-D133-AD6C16305ED3}"/>
+                  </a:ext>
+                </a:extLst>
+              </p:cNvPr>
+              <p:cNvCxnSpPr/>
+              <p:nvPr/>
+            </p:nvCxnSpPr>
+            <p:spPr>
+              <a:xfrm>
+                <a:off x="8407098" y="5076712"/>
+                <a:ext cx="720761" cy="0"/>
+              </a:xfrm>
+              <a:prstGeom prst="straightConnector1">
+                <a:avLst/>
+              </a:prstGeom>
+              <a:ln>
+                <a:tailEnd type="triangle"/>
+              </a:ln>
+            </p:spPr>
+            <p:style>
+              <a:lnRef idx="1">
+                <a:schemeClr val="accent1"/>
+              </a:lnRef>
+              <a:fillRef idx="0">
+                <a:schemeClr val="accent1"/>
+              </a:fillRef>
+              <a:effectRef idx="0">
+                <a:schemeClr val="accent1"/>
+              </a:effectRef>
+              <a:fontRef idx="minor">
+                <a:schemeClr val="tx1"/>
+              </a:fontRef>
+            </p:style>
+          </p:cxnSp>
+          <p:cxnSp>
+            <p:nvCxnSpPr>
+              <p:cNvPr id="30" name="直线箭头连接符 29">
+                <a:extLst>
+                  <a:ext uri="{FF2B5EF4-FFF2-40B4-BE49-F238E27FC236}">
+                    <a16:creationId xmlns:a16="http://schemas.microsoft.com/office/drawing/2014/main" id="{BE7A20CF-1ADC-40E5-993C-7396C625D726}"/>
+                  </a:ext>
+                </a:extLst>
+              </p:cNvPr>
+              <p:cNvCxnSpPr>
+                <a:cxnSpLocks/>
+                <a:endCxn id="14" idx="3"/>
+              </p:cNvCxnSpPr>
+              <p:nvPr/>
+            </p:nvCxnSpPr>
+            <p:spPr>
+              <a:xfrm flipV="1">
+                <a:off x="8407098" y="4322093"/>
+                <a:ext cx="833929" cy="754619"/>
+              </a:xfrm>
+              <a:prstGeom prst="straightConnector1">
+                <a:avLst/>
+              </a:prstGeom>
+              <a:ln>
+                <a:tailEnd type="triangle"/>
+              </a:ln>
+            </p:spPr>
+            <p:style>
+              <a:lnRef idx="1">
+                <a:schemeClr val="accent1"/>
+              </a:lnRef>
+              <a:fillRef idx="0">
+                <a:schemeClr val="accent1"/>
+              </a:fillRef>
+              <a:effectRef idx="0">
+                <a:schemeClr val="accent1"/>
+              </a:effectRef>
+              <a:fontRef idx="minor">
+                <a:schemeClr val="tx1"/>
+              </a:fontRef>
+            </p:style>
+          </p:cxnSp>
+          <p:cxnSp>
+            <p:nvCxnSpPr>
+              <p:cNvPr id="32" name="直线箭头连接符 31">
+                <a:extLst>
+                  <a:ext uri="{FF2B5EF4-FFF2-40B4-BE49-F238E27FC236}">
+                    <a16:creationId xmlns:a16="http://schemas.microsoft.com/office/drawing/2014/main" id="{02E5C818-F923-474B-BD4E-33BB727E3B4E}"/>
+                  </a:ext>
+                </a:extLst>
+              </p:cNvPr>
+              <p:cNvCxnSpPr>
+                <a:cxnSpLocks/>
+                <a:stCxn id="11" idx="6"/>
+                <a:endCxn id="15" idx="1"/>
+              </p:cNvCxnSpPr>
+              <p:nvPr/>
+            </p:nvCxnSpPr>
+            <p:spPr>
+              <a:xfrm>
+                <a:off x="8407098" y="5076712"/>
+                <a:ext cx="833929" cy="868052"/>
+              </a:xfrm>
+              <a:prstGeom prst="straightConnector1">
+                <a:avLst/>
+              </a:prstGeom>
+              <a:ln>
+                <a:tailEnd type="triangle"/>
+              </a:ln>
+            </p:spPr>
+            <p:style>
+              <a:lnRef idx="1">
+                <a:schemeClr val="accent1"/>
+              </a:lnRef>
+              <a:fillRef idx="0">
+                <a:schemeClr val="accent1"/>
+              </a:fillRef>
+              <a:effectRef idx="0">
+                <a:schemeClr val="accent1"/>
+              </a:effectRef>
+              <a:fontRef idx="minor">
+                <a:schemeClr val="tx1"/>
+              </a:fontRef>
+            </p:style>
+          </p:cxnSp>
+        </p:grpSp>
+        <p:sp>
+          <p:nvSpPr>
+            <p:cNvPr id="43" name="文本框 42">
+              <a:extLst>
+                <a:ext uri="{FF2B5EF4-FFF2-40B4-BE49-F238E27FC236}">
+                  <a16:creationId xmlns:a16="http://schemas.microsoft.com/office/drawing/2014/main" id="{0FD2237F-DD53-293B-E9B3-93CCEF75770E}"/>
+                </a:ext>
+              </a:extLst>
+            </p:cNvPr>
+            <p:cNvSpPr txBox="1"/>
+            <p:nvPr/>
+          </p:nvSpPr>
+          <p:spPr>
+            <a:xfrm>
+              <a:off x="2450189" y="4405792"/>
+              <a:ext cx="242316" cy="338554"/>
+            </a:xfrm>
+            <a:prstGeom prst="rect">
+              <a:avLst/>
+            </a:prstGeom>
+            <a:noFill/>
+          </p:spPr>
+          <p:txBody>
+            <a:bodyPr wrap="square">
+              <a:spAutoFit/>
+            </a:bodyPr>
+            <a:lstStyle/>
+            <a:p>
+              <a:r>
+                <a:rPr kumimoji="1" lang="en-US" altLang="zh-CN" sz="1600" dirty="0">
+                  <a:latin typeface="SimHei" panose="02010609060101010101" pitchFamily="49" charset="-122"/>
+                  <a:ea typeface="SimHei" panose="02010609060101010101" pitchFamily="49" charset="-122"/>
+                </a:rPr>
+                <a:t>1</a:t>
+              </a:r>
+              <a:endParaRPr lang="zh-CN" altLang="en-US" sz="1600" dirty="0"/>
+            </a:p>
+          </p:txBody>
+        </p:sp>
+        <p:sp>
+          <p:nvSpPr>
+            <p:cNvPr id="44" name="文本框 43">
+              <a:extLst>
+                <a:ext uri="{FF2B5EF4-FFF2-40B4-BE49-F238E27FC236}">
+                  <a16:creationId xmlns:a16="http://schemas.microsoft.com/office/drawing/2014/main" id="{D50FF74B-772E-06C5-7A06-94ECE3FFE9C1}"/>
+                </a:ext>
+              </a:extLst>
+            </p:cNvPr>
+            <p:cNvSpPr txBox="1"/>
+            <p:nvPr/>
+          </p:nvSpPr>
+          <p:spPr>
+            <a:xfrm>
+              <a:off x="3060173" y="4395034"/>
+              <a:ext cx="426873" cy="338554"/>
+            </a:xfrm>
+            <a:prstGeom prst="rect">
+              <a:avLst/>
+            </a:prstGeom>
+            <a:noFill/>
+          </p:spPr>
+          <p:txBody>
+            <a:bodyPr wrap="square">
+              <a:spAutoFit/>
+            </a:bodyPr>
+            <a:lstStyle/>
+            <a:p>
+              <a:r>
+                <a:rPr lang="en-US" altLang="zh-CN" sz="1600" dirty="0"/>
+                <a:t>n</a:t>
+              </a:r>
+              <a:r>
+                <a:rPr lang="en-US" altLang="zh-CN" sz="1600" baseline="30000" dirty="0"/>
+                <a:t>*</a:t>
+              </a:r>
+              <a:endParaRPr lang="zh-CN" altLang="en-US" sz="1600" baseline="30000" dirty="0"/>
+            </a:p>
+          </p:txBody>
+        </p:sp>
+        <p:sp>
+          <p:nvSpPr>
+            <p:cNvPr id="45" name="文本框 44">
+              <a:extLst>
+                <a:ext uri="{FF2B5EF4-FFF2-40B4-BE49-F238E27FC236}">
+                  <a16:creationId xmlns:a16="http://schemas.microsoft.com/office/drawing/2014/main" id="{FD041B24-9F22-BFBC-FC0A-D2337C2F5858}"/>
+                </a:ext>
+              </a:extLst>
+            </p:cNvPr>
+            <p:cNvSpPr txBox="1"/>
+            <p:nvPr/>
+          </p:nvSpPr>
+          <p:spPr>
+            <a:xfrm>
+              <a:off x="3965492" y="4416263"/>
+              <a:ext cx="242316" cy="338554"/>
+            </a:xfrm>
+            <a:prstGeom prst="rect">
+              <a:avLst/>
+            </a:prstGeom>
+            <a:noFill/>
+          </p:spPr>
+          <p:txBody>
+            <a:bodyPr wrap="square">
+              <a:spAutoFit/>
+            </a:bodyPr>
+            <a:lstStyle/>
+            <a:p>
+              <a:r>
+                <a:rPr kumimoji="1" lang="en-US" altLang="zh-CN" sz="1600" dirty="0">
+                  <a:latin typeface="SimHei" panose="02010609060101010101" pitchFamily="49" charset="-122"/>
+                  <a:ea typeface="SimHei" panose="02010609060101010101" pitchFamily="49" charset="-122"/>
+                </a:rPr>
+                <a:t>1</a:t>
+              </a:r>
+              <a:endParaRPr lang="zh-CN" altLang="en-US" sz="1600" dirty="0"/>
+            </a:p>
+          </p:txBody>
+        </p:sp>
+        <p:sp>
+          <p:nvSpPr>
+            <p:cNvPr id="46" name="文本框 45">
+              <a:extLst>
+                <a:ext uri="{FF2B5EF4-FFF2-40B4-BE49-F238E27FC236}">
+                  <a16:creationId xmlns:a16="http://schemas.microsoft.com/office/drawing/2014/main" id="{5888427F-510D-766A-A08B-439157BB9648}"/>
+                </a:ext>
+              </a:extLst>
+            </p:cNvPr>
+            <p:cNvSpPr txBox="1"/>
+            <p:nvPr/>
+          </p:nvSpPr>
+          <p:spPr>
+            <a:xfrm>
+              <a:off x="4575476" y="4405505"/>
+              <a:ext cx="426873" cy="338554"/>
+            </a:xfrm>
+            <a:prstGeom prst="rect">
+              <a:avLst/>
+            </a:prstGeom>
+            <a:noFill/>
+          </p:spPr>
+          <p:txBody>
+            <a:bodyPr wrap="square">
+              <a:spAutoFit/>
+            </a:bodyPr>
+            <a:lstStyle/>
+            <a:p>
+              <a:r>
+                <a:rPr lang="en-US" altLang="zh-CN" sz="1600" dirty="0"/>
+                <a:t>n</a:t>
+              </a:r>
+              <a:r>
+                <a:rPr lang="en-US" altLang="zh-CN" sz="1600" baseline="30000" dirty="0"/>
+                <a:t>+</a:t>
+              </a:r>
+              <a:endParaRPr lang="zh-CN" altLang="en-US" sz="1600" baseline="30000" dirty="0"/>
+            </a:p>
+          </p:txBody>
+        </p:sp>
+        <p:sp>
+          <p:nvSpPr>
+            <p:cNvPr id="47" name="文本框 46">
+              <a:extLst>
+                <a:ext uri="{FF2B5EF4-FFF2-40B4-BE49-F238E27FC236}">
+                  <a16:creationId xmlns:a16="http://schemas.microsoft.com/office/drawing/2014/main" id="{F9069424-2981-CABE-6638-722DF149AAD6}"/>
+                </a:ext>
+              </a:extLst>
+            </p:cNvPr>
+            <p:cNvSpPr txBox="1"/>
+            <p:nvPr/>
+          </p:nvSpPr>
+          <p:spPr>
+            <a:xfrm>
+              <a:off x="5486400" y="4467007"/>
+              <a:ext cx="242316" cy="338554"/>
+            </a:xfrm>
+            <a:prstGeom prst="rect">
+              <a:avLst/>
+            </a:prstGeom>
+            <a:noFill/>
+          </p:spPr>
+          <p:txBody>
+            <a:bodyPr wrap="square">
+              <a:spAutoFit/>
+            </a:bodyPr>
+            <a:lstStyle/>
+            <a:p>
+              <a:r>
+                <a:rPr kumimoji="1" lang="en-US" altLang="zh-CN" sz="1600" dirty="0">
+                  <a:latin typeface="SimHei" panose="02010609060101010101" pitchFamily="49" charset="-122"/>
+                  <a:ea typeface="SimHei" panose="02010609060101010101" pitchFamily="49" charset="-122"/>
+                </a:rPr>
+                <a:t>1</a:t>
+              </a:r>
+              <a:endParaRPr lang="zh-CN" altLang="en-US" sz="1600" dirty="0"/>
+            </a:p>
+          </p:txBody>
+        </p:sp>
+        <p:sp>
+          <p:nvSpPr>
+            <p:cNvPr id="48" name="文本框 47">
+              <a:extLst>
+                <a:ext uri="{FF2B5EF4-FFF2-40B4-BE49-F238E27FC236}">
+                  <a16:creationId xmlns:a16="http://schemas.microsoft.com/office/drawing/2014/main" id="{5BFC275A-C11C-683B-9DC3-33FA146CC87A}"/>
+                </a:ext>
+              </a:extLst>
+            </p:cNvPr>
+            <p:cNvSpPr txBox="1"/>
+            <p:nvPr/>
+          </p:nvSpPr>
+          <p:spPr>
+            <a:xfrm>
+              <a:off x="5987659" y="3914270"/>
+              <a:ext cx="242316" cy="338554"/>
+            </a:xfrm>
+            <a:prstGeom prst="rect">
+              <a:avLst/>
+            </a:prstGeom>
+            <a:noFill/>
+          </p:spPr>
+          <p:txBody>
+            <a:bodyPr wrap="square">
+              <a:spAutoFit/>
+            </a:bodyPr>
+            <a:lstStyle/>
+            <a:p>
+              <a:r>
+                <a:rPr kumimoji="1" lang="en-US" altLang="zh-CN" sz="1600" dirty="0">
+                  <a:latin typeface="SimHei" panose="02010609060101010101" pitchFamily="49" charset="-122"/>
+                  <a:ea typeface="SimHei" panose="02010609060101010101" pitchFamily="49" charset="-122"/>
+                </a:rPr>
+                <a:t>1</a:t>
+              </a:r>
+              <a:endParaRPr lang="zh-CN" altLang="en-US" sz="1600" dirty="0"/>
+            </a:p>
+          </p:txBody>
+        </p:sp>
+        <p:sp>
+          <p:nvSpPr>
+            <p:cNvPr id="49" name="文本框 48">
+              <a:extLst>
+                <a:ext uri="{FF2B5EF4-FFF2-40B4-BE49-F238E27FC236}">
+                  <a16:creationId xmlns:a16="http://schemas.microsoft.com/office/drawing/2014/main" id="{71EEE759-C581-BFA3-21A0-9D99FFC9CCAF}"/>
+                </a:ext>
+              </a:extLst>
+            </p:cNvPr>
+            <p:cNvSpPr txBox="1"/>
+            <p:nvPr/>
+          </p:nvSpPr>
+          <p:spPr>
+            <a:xfrm>
+              <a:off x="5975350" y="4464486"/>
+              <a:ext cx="242316" cy="338554"/>
+            </a:xfrm>
+            <a:prstGeom prst="rect">
+              <a:avLst/>
+            </a:prstGeom>
+            <a:noFill/>
+          </p:spPr>
+          <p:txBody>
+            <a:bodyPr wrap="square">
+              <a:spAutoFit/>
+            </a:bodyPr>
+            <a:lstStyle/>
+            <a:p>
+              <a:r>
+                <a:rPr kumimoji="1" lang="en-US" altLang="zh-CN" sz="1600" dirty="0">
+                  <a:latin typeface="SimHei" panose="02010609060101010101" pitchFamily="49" charset="-122"/>
+                  <a:ea typeface="SimHei" panose="02010609060101010101" pitchFamily="49" charset="-122"/>
+                </a:rPr>
+                <a:t>1</a:t>
+              </a:r>
+              <a:endParaRPr lang="zh-CN" altLang="en-US" sz="1600" dirty="0"/>
+            </a:p>
+          </p:txBody>
+        </p:sp>
+        <p:sp>
+          <p:nvSpPr>
+            <p:cNvPr id="50" name="文本框 49">
+              <a:extLst>
+                <a:ext uri="{FF2B5EF4-FFF2-40B4-BE49-F238E27FC236}">
+                  <a16:creationId xmlns:a16="http://schemas.microsoft.com/office/drawing/2014/main" id="{68FE8AAD-8C26-65BA-B7D0-E4699DEADC43}"/>
+                </a:ext>
+              </a:extLst>
+            </p:cNvPr>
+            <p:cNvSpPr txBox="1"/>
+            <p:nvPr/>
+          </p:nvSpPr>
+          <p:spPr>
+            <a:xfrm>
+              <a:off x="5987659" y="5681237"/>
+              <a:ext cx="242316" cy="338554"/>
+            </a:xfrm>
+            <a:prstGeom prst="rect">
+              <a:avLst/>
+            </a:prstGeom>
+            <a:noFill/>
+          </p:spPr>
+          <p:txBody>
+            <a:bodyPr wrap="square">
+              <a:spAutoFit/>
+            </a:bodyPr>
+            <a:lstStyle/>
+            <a:p>
+              <a:r>
+                <a:rPr kumimoji="1" lang="en-US" altLang="zh-CN" sz="1600" dirty="0">
+                  <a:latin typeface="SimHei" panose="02010609060101010101" pitchFamily="49" charset="-122"/>
+                  <a:ea typeface="SimHei" panose="02010609060101010101" pitchFamily="49" charset="-122"/>
+                </a:rPr>
+                <a:t>1</a:t>
+              </a:r>
+              <a:endParaRPr lang="zh-CN" altLang="en-US" sz="1600" dirty="0"/>
+            </a:p>
+          </p:txBody>
+        </p:sp>
+        <p:sp>
+          <p:nvSpPr>
+            <p:cNvPr id="51" name="文本框 50">
+              <a:extLst>
+                <a:ext uri="{FF2B5EF4-FFF2-40B4-BE49-F238E27FC236}">
+                  <a16:creationId xmlns:a16="http://schemas.microsoft.com/office/drawing/2014/main" id="{D94FE2E2-F61E-0BE5-75F1-6EC734380E2C}"/>
+                </a:ext>
+              </a:extLst>
+            </p:cNvPr>
+            <p:cNvSpPr txBox="1"/>
+            <p:nvPr/>
+          </p:nvSpPr>
+          <p:spPr>
+            <a:xfrm>
+              <a:off x="6958013" y="4490920"/>
+              <a:ext cx="242316" cy="338554"/>
+            </a:xfrm>
+            <a:prstGeom prst="rect">
+              <a:avLst/>
+            </a:prstGeom>
+            <a:noFill/>
+          </p:spPr>
+          <p:txBody>
+            <a:bodyPr wrap="square">
+              <a:spAutoFit/>
+            </a:bodyPr>
+            <a:lstStyle/>
+            <a:p>
+              <a:r>
+                <a:rPr kumimoji="1" lang="en-US" altLang="zh-CN" sz="1600" dirty="0">
+                  <a:latin typeface="SimHei" panose="02010609060101010101" pitchFamily="49" charset="-122"/>
+                  <a:ea typeface="SimHei" panose="02010609060101010101" pitchFamily="49" charset="-122"/>
+                </a:rPr>
+                <a:t>1</a:t>
+              </a:r>
+              <a:endParaRPr lang="zh-CN" altLang="en-US" sz="1600" dirty="0"/>
+            </a:p>
+          </p:txBody>
+        </p:sp>
+        <p:sp>
+          <p:nvSpPr>
+            <p:cNvPr id="52" name="文本框 51">
+              <a:extLst>
+                <a:ext uri="{FF2B5EF4-FFF2-40B4-BE49-F238E27FC236}">
+                  <a16:creationId xmlns:a16="http://schemas.microsoft.com/office/drawing/2014/main" id="{3C1629BA-7DB6-3263-0741-8F11D3B5DA7E}"/>
+                </a:ext>
+              </a:extLst>
+            </p:cNvPr>
+            <p:cNvSpPr txBox="1"/>
+            <p:nvPr/>
+          </p:nvSpPr>
+          <p:spPr>
+            <a:xfrm>
+              <a:off x="7507742" y="4464486"/>
+              <a:ext cx="426873" cy="338554"/>
+            </a:xfrm>
+            <a:prstGeom prst="rect">
+              <a:avLst/>
+            </a:prstGeom>
+            <a:noFill/>
+          </p:spPr>
+          <p:txBody>
+            <a:bodyPr wrap="square">
+              <a:spAutoFit/>
+            </a:bodyPr>
+            <a:lstStyle/>
+            <a:p>
+              <a:r>
+                <a:rPr lang="en-US" altLang="zh-CN" sz="1600" dirty="0"/>
+                <a:t>n</a:t>
+              </a:r>
+              <a:r>
+                <a:rPr lang="en-US" altLang="zh-CN" sz="1600" baseline="30000" dirty="0"/>
+                <a:t>+</a:t>
+              </a:r>
+              <a:endParaRPr lang="zh-CN" altLang="en-US" sz="1600" baseline="30000" dirty="0"/>
+            </a:p>
+          </p:txBody>
+        </p:sp>
+        <p:sp>
+          <p:nvSpPr>
+            <p:cNvPr id="53" name="文本框 52">
+              <a:extLst>
+                <a:ext uri="{FF2B5EF4-FFF2-40B4-BE49-F238E27FC236}">
+                  <a16:creationId xmlns:a16="http://schemas.microsoft.com/office/drawing/2014/main" id="{EBAC54A6-5E1C-189C-FB0B-9B9E9EAAF014}"/>
+                </a:ext>
+              </a:extLst>
+            </p:cNvPr>
+            <p:cNvSpPr txBox="1"/>
+            <p:nvPr/>
+          </p:nvSpPr>
+          <p:spPr>
+            <a:xfrm>
+              <a:off x="8413060" y="4472064"/>
+              <a:ext cx="242316" cy="338554"/>
+            </a:xfrm>
+            <a:prstGeom prst="rect">
+              <a:avLst/>
+            </a:prstGeom>
+            <a:noFill/>
+          </p:spPr>
+          <p:txBody>
+            <a:bodyPr wrap="square">
+              <a:spAutoFit/>
+            </a:bodyPr>
+            <a:lstStyle/>
+            <a:p>
+              <a:r>
+                <a:rPr kumimoji="1" lang="en-US" altLang="zh-CN" sz="1600" dirty="0">
+                  <a:latin typeface="SimHei" panose="02010609060101010101" pitchFamily="49" charset="-122"/>
+                  <a:ea typeface="SimHei" panose="02010609060101010101" pitchFamily="49" charset="-122"/>
+                </a:rPr>
+                <a:t>1</a:t>
+              </a:r>
+              <a:endParaRPr lang="zh-CN" altLang="en-US" sz="1600" dirty="0"/>
+            </a:p>
+          </p:txBody>
+        </p:sp>
+        <p:sp>
+          <p:nvSpPr>
+            <p:cNvPr id="54" name="文本框 53">
+              <a:extLst>
+                <a:ext uri="{FF2B5EF4-FFF2-40B4-BE49-F238E27FC236}">
+                  <a16:creationId xmlns:a16="http://schemas.microsoft.com/office/drawing/2014/main" id="{77C6FB44-B382-EB26-614E-6C6A46D7310F}"/>
+                </a:ext>
+              </a:extLst>
+            </p:cNvPr>
+            <p:cNvSpPr txBox="1"/>
+            <p:nvPr/>
+          </p:nvSpPr>
+          <p:spPr>
+            <a:xfrm>
+              <a:off x="8946463" y="3920669"/>
+              <a:ext cx="242316" cy="338554"/>
+            </a:xfrm>
+            <a:prstGeom prst="rect">
+              <a:avLst/>
+            </a:prstGeom>
+            <a:noFill/>
+          </p:spPr>
+          <p:txBody>
+            <a:bodyPr wrap="square">
+              <a:spAutoFit/>
+            </a:bodyPr>
+            <a:lstStyle/>
+            <a:p>
+              <a:r>
+                <a:rPr kumimoji="1" lang="en-US" altLang="zh-CN" sz="1600" dirty="0">
+                  <a:latin typeface="SimHei" panose="02010609060101010101" pitchFamily="49" charset="-122"/>
+                  <a:ea typeface="SimHei" panose="02010609060101010101" pitchFamily="49" charset="-122"/>
+                </a:rPr>
+                <a:t>1</a:t>
+              </a:r>
+              <a:endParaRPr lang="zh-CN" altLang="en-US" sz="1600" dirty="0"/>
+            </a:p>
+          </p:txBody>
+        </p:sp>
+        <p:sp>
+          <p:nvSpPr>
+            <p:cNvPr id="55" name="文本框 54">
+              <a:extLst>
+                <a:ext uri="{FF2B5EF4-FFF2-40B4-BE49-F238E27FC236}">
+                  <a16:creationId xmlns:a16="http://schemas.microsoft.com/office/drawing/2014/main" id="{E68C1610-A0A6-5C40-1709-A2EBDAF132D7}"/>
+                </a:ext>
+              </a:extLst>
+            </p:cNvPr>
+            <p:cNvSpPr txBox="1"/>
+            <p:nvPr/>
+          </p:nvSpPr>
+          <p:spPr>
+            <a:xfrm>
+              <a:off x="8934154" y="4470885"/>
+              <a:ext cx="242316" cy="338554"/>
+            </a:xfrm>
+            <a:prstGeom prst="rect">
+              <a:avLst/>
+            </a:prstGeom>
+            <a:noFill/>
+          </p:spPr>
+          <p:txBody>
+            <a:bodyPr wrap="square">
+              <a:spAutoFit/>
+            </a:bodyPr>
+            <a:lstStyle/>
+            <a:p>
+              <a:r>
+                <a:rPr kumimoji="1" lang="en-US" altLang="zh-CN" sz="1600" dirty="0">
+                  <a:latin typeface="SimHei" panose="02010609060101010101" pitchFamily="49" charset="-122"/>
+                  <a:ea typeface="SimHei" panose="02010609060101010101" pitchFamily="49" charset="-122"/>
+                </a:rPr>
+                <a:t>1</a:t>
+              </a:r>
+              <a:endParaRPr lang="zh-CN" altLang="en-US" sz="1600" dirty="0"/>
+            </a:p>
+          </p:txBody>
+        </p:sp>
+        <p:sp>
+          <p:nvSpPr>
+            <p:cNvPr id="56" name="文本框 55">
+              <a:extLst>
+                <a:ext uri="{FF2B5EF4-FFF2-40B4-BE49-F238E27FC236}">
+                  <a16:creationId xmlns:a16="http://schemas.microsoft.com/office/drawing/2014/main" id="{C0EACB22-8FF5-E91A-7CF2-B4C381D3E159}"/>
+                </a:ext>
+              </a:extLst>
+            </p:cNvPr>
+            <p:cNvSpPr txBox="1"/>
+            <p:nvPr/>
+          </p:nvSpPr>
+          <p:spPr>
+            <a:xfrm>
+              <a:off x="8946463" y="5687636"/>
+              <a:ext cx="242316" cy="338554"/>
+            </a:xfrm>
+            <a:prstGeom prst="rect">
+              <a:avLst/>
+            </a:prstGeom>
+            <a:noFill/>
+          </p:spPr>
+          <p:txBody>
+            <a:bodyPr wrap="square">
+              <a:spAutoFit/>
+            </a:bodyPr>
+            <a:lstStyle/>
+            <a:p>
+              <a:r>
+                <a:rPr kumimoji="1" lang="en-US" altLang="zh-CN" sz="1600" dirty="0">
+                  <a:latin typeface="SimHei" panose="02010609060101010101" pitchFamily="49" charset="-122"/>
+                  <a:ea typeface="SimHei" panose="02010609060101010101" pitchFamily="49" charset="-122"/>
+                </a:rPr>
+                <a:t>1</a:t>
+              </a:r>
+              <a:endParaRPr lang="zh-CN" altLang="en-US" sz="1600" dirty="0"/>
+            </a:p>
+          </p:txBody>
+        </p:sp>
+      </p:grpSp>
+    </p:spTree>
+    <p:extLst>
+      <p:ext uri="{BB962C8B-B14F-4D97-AF65-F5344CB8AC3E}">
+        <p14:creationId xmlns:p14="http://schemas.microsoft.com/office/powerpoint/2010/main" val="2498284359"/>
+      </p:ext>
+    </p:extLst>
+  </p:cSld>
+  <p:clrMapOvr>
+    <a:masterClrMapping/>
+  </p:clrMapOvr>
+</p:sld>
+</file>
+
+<file path=ppt/slides/slide3.xml><?xml version="1.0" encoding="utf-8"?>
+<p:sld xmlns:a="http://schemas.openxmlformats.org/drawingml/2006/main" xmlns:r="http://schemas.openxmlformats.org/officeDocument/2006/relationships" xmlns:p="http://schemas.openxmlformats.org/presentationml/2006/main">
+  <p:cSld>
+    <p:spTree>
+      <p:nvGrpSpPr>
+        <p:cNvPr id="1" name=""/>
+        <p:cNvGrpSpPr/>
+        <p:nvPr/>
+      </p:nvGrpSpPr>
+      <p:grpSpPr>
+        <a:xfrm>
+          <a:off x="0" y="0"/>
+          <a:ext cx="0" cy="0"/>
+          <a:chOff x="0" y="0"/>
+          <a:chExt cx="0" cy="0"/>
+        </a:xfrm>
+      </p:grpSpPr>
+      <p:pic>
+        <p:nvPicPr>
+          <p:cNvPr id="3" name="图片 2">
+            <a:extLst>
+              <a:ext uri="{FF2B5EF4-FFF2-40B4-BE49-F238E27FC236}">
+                <a16:creationId xmlns:a16="http://schemas.microsoft.com/office/drawing/2014/main" id="{BECFFE20-D77B-86E0-809D-FE6CB77DF7A6}"/>
+              </a:ext>
+            </a:extLst>
+          </p:cNvPr>
+          <p:cNvPicPr>
+            <a:picLocks noChangeAspect="1"/>
+          </p:cNvPicPr>
+          <p:nvPr/>
+        </p:nvPicPr>
+        <p:blipFill>
+          <a:blip r:embed="rId2"/>
+          <a:stretch>
+            <a:fillRect/>
+          </a:stretch>
+        </p:blipFill>
+        <p:spPr>
+          <a:xfrm>
+            <a:off x="455944" y="1158612"/>
+            <a:ext cx="11303070" cy="5295975"/>
+          </a:xfrm>
+          <a:prstGeom prst="rect">
+            <a:avLst/>
+          </a:prstGeom>
+        </p:spPr>
+      </p:pic>
+      <p:sp>
+        <p:nvSpPr>
+          <p:cNvPr id="8" name="标题 1">
+            <a:extLst>
+              <a:ext uri="{FF2B5EF4-FFF2-40B4-BE49-F238E27FC236}">
+                <a16:creationId xmlns:a16="http://schemas.microsoft.com/office/drawing/2014/main" id="{B9879FB7-93B9-8F54-D1CF-72E49193FF3D}"/>
+              </a:ext>
+            </a:extLst>
+          </p:cNvPr>
+          <p:cNvSpPr txBox="1">
+            <a:spLocks/>
+          </p:cNvSpPr>
+          <p:nvPr/>
+        </p:nvSpPr>
+        <p:spPr>
+          <a:xfrm>
+            <a:off x="455944" y="268623"/>
+            <a:ext cx="10515600" cy="527760"/>
+          </a:xfrm>
+          <a:prstGeom prst="rect">
+            <a:avLst/>
+          </a:prstGeom>
+        </p:spPr>
+        <p:txBody>
+          <a:bodyPr vert="horz" lIns="91440" tIns="45720" rIns="91440" bIns="45720" rtlCol="0" anchor="ctr">
+            <a:normAutofit fontScale="82500" lnSpcReduction="20000"/>
+          </a:bodyPr>
+          <a:lstStyle>
+            <a:lvl1pPr algn="l" defTabSz="914400" rtl="0" eaLnBrk="1" latinLnBrk="0" hangingPunct="1">
+              <a:lnSpc>
+                <a:spcPct val="90000"/>
+              </a:lnSpc>
+              <a:spcBef>
+                <a:spcPct val="0"/>
+              </a:spcBef>
+              <a:buNone/>
+              <a:defRPr sz="4400" kern="1200">
+                <a:solidFill>
+                  <a:schemeClr val="tx1"/>
+                </a:solidFill>
+                <a:latin typeface="+mj-lt"/>
+                <a:ea typeface="+mj-ea"/>
+                <a:cs typeface="+mj-cs"/>
+              </a:defRPr>
+            </a:lvl1pPr>
+          </a:lstStyle>
+          <a:p>
+            <a:r>
+              <a:rPr kumimoji="1" lang="zh-CN" altLang="en-US" dirty="0"/>
+              <a:t>定义：示意图</a:t>
+            </a:r>
+          </a:p>
+        </p:txBody>
+      </p:sp>
+    </p:spTree>
+    <p:extLst>
+      <p:ext uri="{BB962C8B-B14F-4D97-AF65-F5344CB8AC3E}">
+        <p14:creationId xmlns:p14="http://schemas.microsoft.com/office/powerpoint/2010/main" val="3777993244"/>
+      </p:ext>
+    </p:extLst>
+  </p:cSld>
+  <p:clrMapOvr>
+    <a:masterClrMapping/>
+  </p:clrMapOvr>
+</p:sld>
+</file>
+
+<file path=ppt/slides/slide4.xml><?xml version="1.0" encoding="utf-8"?>
+<p:sld xmlns:a="http://schemas.openxmlformats.org/drawingml/2006/main" xmlns:r="http://schemas.openxmlformats.org/officeDocument/2006/relationships" xmlns:p="http://schemas.openxmlformats.org/presentationml/2006/main">
+  <p:cSld>
+    <p:spTree>
+      <p:nvGrpSpPr>
+        <p:cNvPr id="1" name=""/>
+        <p:cNvGrpSpPr/>
+        <p:nvPr/>
+      </p:nvGrpSpPr>
+      <p:grpSpPr>
+        <a:xfrm>
+          <a:off x="0" y="0"/>
+          <a:ext cx="0" cy="0"/>
+          <a:chOff x="0" y="0"/>
+          <a:chExt cx="0" cy="0"/>
+        </a:xfrm>
+      </p:grpSpPr>
+      <p:sp>
+        <p:nvSpPr>
+          <p:cNvPr id="4" name="标题 1">
+            <a:extLst>
+              <a:ext uri="{FF2B5EF4-FFF2-40B4-BE49-F238E27FC236}">
+                <a16:creationId xmlns:a16="http://schemas.microsoft.com/office/drawing/2014/main" id="{E14ED4DF-01EE-7FFE-9097-F68774370D81}"/>
+              </a:ext>
+            </a:extLst>
+          </p:cNvPr>
+          <p:cNvSpPr>
+            <a:spLocks noGrp="1"/>
+          </p:cNvSpPr>
+          <p:nvPr>
+            <p:ph type="title"/>
+          </p:nvPr>
+        </p:nvSpPr>
+        <p:spPr>
+          <a:xfrm>
+            <a:off x="455944" y="268623"/>
+            <a:ext cx="10515600" cy="527760"/>
+          </a:xfrm>
+        </p:spPr>
+        <p:txBody>
+          <a:bodyPr>
+            <a:normAutofit fontScale="90000"/>
+          </a:bodyPr>
+          <a:lstStyle/>
+          <a:p>
+            <a:r>
+              <a:rPr kumimoji="1" lang="zh-CN" altLang="en-US" dirty="0"/>
+              <a:t>工序接续关系</a:t>
+            </a:r>
+          </a:p>
+        </p:txBody>
+      </p:sp>
+      <p:pic>
+        <p:nvPicPr>
+          <p:cNvPr id="5" name="图片 4">
+            <a:extLst>
+              <a:ext uri="{FF2B5EF4-FFF2-40B4-BE49-F238E27FC236}">
+                <a16:creationId xmlns:a16="http://schemas.microsoft.com/office/drawing/2014/main" id="{E08CBC56-357A-2DA2-9D7F-50107A9D4102}"/>
+              </a:ext>
+            </a:extLst>
+          </p:cNvPr>
+          <p:cNvPicPr>
+            <a:picLocks noChangeAspect="1"/>
+          </p:cNvPicPr>
+          <p:nvPr/>
+        </p:nvPicPr>
+        <p:blipFill>
+          <a:blip r:embed="rId2"/>
+          <a:stretch>
+            <a:fillRect/>
+          </a:stretch>
+        </p:blipFill>
+        <p:spPr>
+          <a:xfrm>
+            <a:off x="819716" y="1230321"/>
+            <a:ext cx="5276284" cy="1990686"/>
+          </a:xfrm>
+          <a:prstGeom prst="rect">
+            <a:avLst/>
+          </a:prstGeom>
+        </p:spPr>
+      </p:pic>
+      <p:sp>
+        <p:nvSpPr>
+          <p:cNvPr id="7" name="文本框 6">
+            <a:extLst>
+              <a:ext uri="{FF2B5EF4-FFF2-40B4-BE49-F238E27FC236}">
+                <a16:creationId xmlns:a16="http://schemas.microsoft.com/office/drawing/2014/main" id="{1749CFEF-6146-920A-C31F-537540FF54BF}"/>
+              </a:ext>
+            </a:extLst>
+          </p:cNvPr>
+          <p:cNvSpPr txBox="1"/>
+          <p:nvPr/>
+        </p:nvSpPr>
+        <p:spPr>
+          <a:xfrm>
+            <a:off x="7008607" y="1894352"/>
+            <a:ext cx="4222376" cy="923330"/>
+          </a:xfrm>
+          <a:prstGeom prst="rect">
+            <a:avLst/>
+          </a:prstGeom>
+          <a:noFill/>
+        </p:spPr>
+        <p:txBody>
+          <a:bodyPr wrap="square">
+            <a:spAutoFit/>
+          </a:bodyPr>
+          <a:lstStyle/>
+          <a:p>
+            <a:r>
+              <a:rPr lang="en" altLang="zh-CN" dirty="0">
+                <a:effectLst/>
+                <a:latin typeface="Calibri" panose="020F0502020204030204" pitchFamily="34" charset="0"/>
+              </a:rPr>
+              <a:t>ES: End Start</a:t>
+            </a:r>
+          </a:p>
+          <a:p>
+            <a:r>
+              <a:rPr lang="zh-CN" altLang="en" dirty="0">
+                <a:effectLst/>
+                <a:latin typeface="Helvetica" pitchFamily="2" charset="0"/>
+              </a:rPr>
+              <a:t>（</a:t>
+            </a:r>
+            <a:r>
+              <a:rPr lang="en" altLang="zh-CN" dirty="0">
+                <a:effectLst/>
+                <a:latin typeface="Calibri" panose="020F0502020204030204" pitchFamily="34" charset="0"/>
+              </a:rPr>
+              <a:t>1</a:t>
+            </a:r>
+            <a:r>
+              <a:rPr lang="zh-CN" altLang="en" dirty="0">
+                <a:effectLst/>
+                <a:latin typeface="Helvetica" pitchFamily="2" charset="0"/>
+              </a:rPr>
+              <a:t>）</a:t>
+            </a:r>
+            <a:r>
+              <a:rPr lang="zh-CN" altLang="en-US" dirty="0">
+                <a:effectLst/>
+                <a:latin typeface="Helvetica" pitchFamily="2" charset="0"/>
+              </a:rPr>
+              <a:t>说明：前工序结束后，后工序开始</a:t>
+            </a:r>
+          </a:p>
+          <a:p>
+            <a:r>
+              <a:rPr lang="zh-CN" altLang="en-US" dirty="0">
+                <a:effectLst/>
+                <a:latin typeface="Helvetica" pitchFamily="2" charset="0"/>
+              </a:rPr>
+              <a:t>（</a:t>
+            </a:r>
+            <a:r>
+              <a:rPr lang="en-US" altLang="zh-CN" dirty="0">
+                <a:effectLst/>
+                <a:latin typeface="Calibri" panose="020F0502020204030204" pitchFamily="34" charset="0"/>
+              </a:rPr>
+              <a:t>2</a:t>
+            </a:r>
+            <a:r>
+              <a:rPr lang="zh-CN" altLang="en-US" dirty="0">
+                <a:effectLst/>
+                <a:latin typeface="Helvetica" pitchFamily="2" charset="0"/>
+              </a:rPr>
+              <a:t>）方向：向右分派</a:t>
+            </a:r>
+          </a:p>
+        </p:txBody>
+      </p:sp>
+      <p:pic>
+        <p:nvPicPr>
+          <p:cNvPr id="8" name="图片 7">
+            <a:extLst>
+              <a:ext uri="{FF2B5EF4-FFF2-40B4-BE49-F238E27FC236}">
+                <a16:creationId xmlns:a16="http://schemas.microsoft.com/office/drawing/2014/main" id="{2D10BFC3-0E01-A34D-BA7B-DF0A7E906B44}"/>
+              </a:ext>
+            </a:extLst>
+          </p:cNvPr>
+          <p:cNvPicPr>
+            <a:picLocks noChangeAspect="1"/>
+          </p:cNvPicPr>
+          <p:nvPr/>
+        </p:nvPicPr>
+        <p:blipFill>
+          <a:blip r:embed="rId3"/>
+          <a:stretch>
+            <a:fillRect/>
+          </a:stretch>
+        </p:blipFill>
+        <p:spPr>
+          <a:xfrm>
+            <a:off x="2318496" y="3654946"/>
+            <a:ext cx="3157146" cy="2039399"/>
+          </a:xfrm>
+          <a:prstGeom prst="rect">
+            <a:avLst/>
+          </a:prstGeom>
+        </p:spPr>
+      </p:pic>
+      <p:sp>
+        <p:nvSpPr>
+          <p:cNvPr id="10" name="文本框 9">
+            <a:extLst>
+              <a:ext uri="{FF2B5EF4-FFF2-40B4-BE49-F238E27FC236}">
+                <a16:creationId xmlns:a16="http://schemas.microsoft.com/office/drawing/2014/main" id="{499E1067-3E1A-C679-4553-4E07D8C6061F}"/>
+              </a:ext>
+            </a:extLst>
+          </p:cNvPr>
+          <p:cNvSpPr txBox="1"/>
+          <p:nvPr/>
+        </p:nvSpPr>
+        <p:spPr>
+          <a:xfrm>
+            <a:off x="7148456" y="4212980"/>
+            <a:ext cx="4222376" cy="923330"/>
+          </a:xfrm>
+          <a:prstGeom prst="rect">
+            <a:avLst/>
+          </a:prstGeom>
+          <a:noFill/>
+        </p:spPr>
+        <p:txBody>
+          <a:bodyPr wrap="square">
+            <a:spAutoFit/>
+          </a:bodyPr>
+          <a:lstStyle/>
+          <a:p>
+            <a:r>
+              <a:rPr lang="en" altLang="zh-CN" dirty="0">
+                <a:effectLst/>
+                <a:latin typeface="Calibri" panose="020F0502020204030204" pitchFamily="34" charset="0"/>
+              </a:rPr>
+              <a:t>SS: Start Start</a:t>
+            </a:r>
+          </a:p>
+          <a:p>
+            <a:r>
+              <a:rPr lang="zh-CN" altLang="en" dirty="0">
+                <a:effectLst/>
+                <a:latin typeface="Helvetica" pitchFamily="2" charset="0"/>
+              </a:rPr>
+              <a:t>（</a:t>
+            </a:r>
+            <a:r>
+              <a:rPr lang="en" altLang="zh-CN" dirty="0">
+                <a:effectLst/>
+                <a:latin typeface="Calibri" panose="020F0502020204030204" pitchFamily="34" charset="0"/>
+              </a:rPr>
+              <a:t>1</a:t>
+            </a:r>
+            <a:r>
+              <a:rPr lang="zh-CN" altLang="en" dirty="0">
+                <a:effectLst/>
+                <a:latin typeface="Helvetica" pitchFamily="2" charset="0"/>
+              </a:rPr>
+              <a:t>）</a:t>
+            </a:r>
+            <a:r>
+              <a:rPr lang="zh-CN" altLang="en-US" dirty="0">
+                <a:effectLst/>
+                <a:latin typeface="Helvetica" pitchFamily="2" charset="0"/>
+              </a:rPr>
+              <a:t>说明：前后工序一起开始</a:t>
+            </a:r>
+          </a:p>
+          <a:p>
+            <a:r>
+              <a:rPr lang="zh-CN" altLang="en-US" dirty="0">
+                <a:effectLst/>
+                <a:latin typeface="Helvetica" pitchFamily="2" charset="0"/>
+              </a:rPr>
+              <a:t>（</a:t>
+            </a:r>
+            <a:r>
+              <a:rPr lang="en-US" altLang="zh-CN" dirty="0">
+                <a:effectLst/>
+                <a:latin typeface="Calibri" panose="020F0502020204030204" pitchFamily="34" charset="0"/>
+              </a:rPr>
+              <a:t>2</a:t>
+            </a:r>
+            <a:r>
+              <a:rPr lang="zh-CN" altLang="en-US" dirty="0">
+                <a:effectLst/>
+                <a:latin typeface="Helvetica" pitchFamily="2" charset="0"/>
+              </a:rPr>
+              <a:t>）方向：向右分派</a:t>
+            </a:r>
+          </a:p>
+        </p:txBody>
+      </p:sp>
+    </p:spTree>
+    <p:extLst>
+      <p:ext uri="{BB962C8B-B14F-4D97-AF65-F5344CB8AC3E}">
+        <p14:creationId xmlns:p14="http://schemas.microsoft.com/office/powerpoint/2010/main" val="927865551"/>
+      </p:ext>
+    </p:extLst>
+  </p:cSld>
+  <p:clrMapOvr>
+    <a:masterClrMapping/>
+  </p:clrMapOvr>
+</p:sld>
+</file>
+
+<file path=ppt/slides/slide5.xml><?xml version="1.0" encoding="utf-8"?>
+<p:sld xmlns:a="http://schemas.openxmlformats.org/drawingml/2006/main" xmlns:r="http://schemas.openxmlformats.org/officeDocument/2006/relationships" xmlns:p="http://schemas.openxmlformats.org/presentationml/2006/main">
+  <p:cSld>
+    <p:spTree>
+      <p:nvGrpSpPr>
+        <p:cNvPr id="1" name=""/>
+        <p:cNvGrpSpPr/>
+        <p:nvPr/>
+      </p:nvGrpSpPr>
+      <p:grpSpPr>
+        <a:xfrm>
+          <a:off x="0" y="0"/>
+          <a:ext cx="0" cy="0"/>
+          <a:chOff x="0" y="0"/>
+          <a:chExt cx="0" cy="0"/>
+        </a:xfrm>
+      </p:grpSpPr>
+      <p:pic>
+        <p:nvPicPr>
+          <p:cNvPr id="4" name="图片 3">
+            <a:extLst>
+              <a:ext uri="{FF2B5EF4-FFF2-40B4-BE49-F238E27FC236}">
+                <a16:creationId xmlns:a16="http://schemas.microsoft.com/office/drawing/2014/main" id="{FB857376-4871-310B-1EB2-0FF4AACBB8C5}"/>
+              </a:ext>
+            </a:extLst>
+          </p:cNvPr>
+          <p:cNvPicPr>
+            <a:picLocks noChangeAspect="1"/>
+          </p:cNvPicPr>
+          <p:nvPr/>
+        </p:nvPicPr>
+        <p:blipFill>
+          <a:blip r:embed="rId2"/>
+          <a:stretch>
+            <a:fillRect/>
+          </a:stretch>
+        </p:blipFill>
+        <p:spPr>
+          <a:xfrm>
+            <a:off x="1659082" y="2212601"/>
+            <a:ext cx="8109323" cy="2432797"/>
+          </a:xfrm>
+          <a:prstGeom prst="rect">
+            <a:avLst/>
+          </a:prstGeom>
+        </p:spPr>
+      </p:pic>
+      <p:sp>
+        <p:nvSpPr>
+          <p:cNvPr id="5" name="标题 1">
+            <a:extLst>
+              <a:ext uri="{FF2B5EF4-FFF2-40B4-BE49-F238E27FC236}">
+                <a16:creationId xmlns:a16="http://schemas.microsoft.com/office/drawing/2014/main" id="{D0F30FEF-E699-C6E2-4BB2-9D8B6B92A922}"/>
+              </a:ext>
+            </a:extLst>
+          </p:cNvPr>
+          <p:cNvSpPr>
+            <a:spLocks noGrp="1"/>
+          </p:cNvSpPr>
+          <p:nvPr>
+            <p:ph type="title"/>
+          </p:nvPr>
+        </p:nvSpPr>
+        <p:spPr>
+          <a:xfrm>
+            <a:off x="455944" y="268623"/>
+            <a:ext cx="10515600" cy="527760"/>
+          </a:xfrm>
+        </p:spPr>
+        <p:txBody>
+          <a:bodyPr>
+            <a:normAutofit fontScale="90000"/>
+          </a:bodyPr>
+          <a:lstStyle/>
+          <a:p>
+            <a:r>
+              <a:rPr kumimoji="1" lang="zh-CN" altLang="en-US" dirty="0"/>
+              <a:t>工序转移时间</a:t>
+            </a:r>
+          </a:p>
+        </p:txBody>
+      </p:sp>
+    </p:spTree>
+    <p:extLst>
+      <p:ext uri="{BB962C8B-B14F-4D97-AF65-F5344CB8AC3E}">
+        <p14:creationId xmlns:p14="http://schemas.microsoft.com/office/powerpoint/2010/main" val="687132686"/>
+      </p:ext>
+    </p:extLst>
+  </p:cSld>
+  <p:clrMapOvr>
+    <a:masterClrMapping/>
+  </p:clrMapOvr>
+</p:sld>
+</file>
+
+<file path=ppt/slides/slide6.xml><?xml version="1.0" encoding="utf-8"?>
+<p:sld xmlns:a="http://schemas.openxmlformats.org/drawingml/2006/main" xmlns:r="http://schemas.openxmlformats.org/officeDocument/2006/relationships" xmlns:p="http://schemas.openxmlformats.org/presentationml/2006/main">
+  <p:cSld>
+    <p:spTree>
+      <p:nvGrpSpPr>
+        <p:cNvPr id="1" name=""/>
+        <p:cNvGrpSpPr/>
+        <p:nvPr/>
+      </p:nvGrpSpPr>
+      <p:grpSpPr>
+        <a:xfrm>
+          <a:off x="0" y="0"/>
+          <a:ext cx="0" cy="0"/>
+          <a:chOff x="0" y="0"/>
+          <a:chExt cx="0" cy="0"/>
+        </a:xfrm>
+      </p:grpSpPr>
+      <p:sp>
+        <p:nvSpPr>
+          <p:cNvPr id="5" name="标题 1">
+            <a:extLst>
+              <a:ext uri="{FF2B5EF4-FFF2-40B4-BE49-F238E27FC236}">
+                <a16:creationId xmlns:a16="http://schemas.microsoft.com/office/drawing/2014/main" id="{D0F30FEF-E699-C6E2-4BB2-9D8B6B92A922}"/>
+              </a:ext>
+            </a:extLst>
+          </p:cNvPr>
+          <p:cNvSpPr>
+            <a:spLocks noGrp="1"/>
+          </p:cNvSpPr>
+          <p:nvPr>
+            <p:ph type="title"/>
+          </p:nvPr>
+        </p:nvSpPr>
+        <p:spPr>
+          <a:xfrm>
+            <a:off x="455944" y="268623"/>
+            <a:ext cx="10515600" cy="527760"/>
+          </a:xfrm>
+        </p:spPr>
+        <p:txBody>
+          <a:bodyPr>
+            <a:normAutofit fontScale="90000"/>
+          </a:bodyPr>
+          <a:lstStyle/>
+          <a:p>
+            <a:r>
+              <a:rPr kumimoji="1" lang="zh-CN" altLang="en-US" dirty="0"/>
+              <a:t>工序基准时间</a:t>
+            </a:r>
+          </a:p>
+        </p:txBody>
+      </p:sp>
+      <p:sp>
+        <p:nvSpPr>
+          <p:cNvPr id="4" name="文本框 3">
+            <a:extLst>
+              <a:ext uri="{FF2B5EF4-FFF2-40B4-BE49-F238E27FC236}">
+                <a16:creationId xmlns:a16="http://schemas.microsoft.com/office/drawing/2014/main" id="{3E9802EC-96B4-1F9A-F42E-A2BEABCED6A2}"/>
+              </a:ext>
+            </a:extLst>
+          </p:cNvPr>
+          <p:cNvSpPr txBox="1"/>
+          <p:nvPr/>
+        </p:nvSpPr>
+        <p:spPr>
+          <a:xfrm>
+            <a:off x="4888094" y="5151128"/>
+            <a:ext cx="1651299" cy="369332"/>
+          </a:xfrm>
+          <a:prstGeom prst="rect">
+            <a:avLst/>
+          </a:prstGeom>
+          <a:noFill/>
+        </p:spPr>
+        <p:txBody>
+          <a:bodyPr wrap="square">
+            <a:spAutoFit/>
+          </a:bodyPr>
+          <a:lstStyle/>
+          <a:p>
+            <a:r>
+              <a:rPr lang="zh-CN" altLang="en-US" dirty="0">
+                <a:latin typeface="Helvetica" pitchFamily="2" charset="0"/>
+              </a:rPr>
+              <a:t>工序的时间点</a:t>
+            </a:r>
+            <a:endParaRPr lang="zh-CN" altLang="en-US" dirty="0"/>
+          </a:p>
+        </p:txBody>
+      </p:sp>
+      <p:pic>
+        <p:nvPicPr>
+          <p:cNvPr id="6" name="图片 5">
+            <a:extLst>
+              <a:ext uri="{FF2B5EF4-FFF2-40B4-BE49-F238E27FC236}">
+                <a16:creationId xmlns:a16="http://schemas.microsoft.com/office/drawing/2014/main" id="{77488045-0A3D-4D69-C457-7C37D8F9B619}"/>
+              </a:ext>
+            </a:extLst>
+          </p:cNvPr>
+          <p:cNvPicPr>
+            <a:picLocks noChangeAspect="1"/>
+          </p:cNvPicPr>
+          <p:nvPr/>
+        </p:nvPicPr>
+        <p:blipFill>
+          <a:blip r:embed="rId2"/>
+          <a:stretch>
+            <a:fillRect/>
+          </a:stretch>
+        </p:blipFill>
+        <p:spPr>
+          <a:xfrm>
+            <a:off x="1499689" y="2275579"/>
+            <a:ext cx="8654739" cy="1982722"/>
+          </a:xfrm>
+          <a:prstGeom prst="rect">
+            <a:avLst/>
+          </a:prstGeom>
+        </p:spPr>
+      </p:pic>
+    </p:spTree>
+    <p:extLst>
+      <p:ext uri="{BB962C8B-B14F-4D97-AF65-F5344CB8AC3E}">
+        <p14:creationId xmlns:p14="http://schemas.microsoft.com/office/powerpoint/2010/main" val="620224155"/>
+      </p:ext>
+    </p:extLst>
+  </p:cSld>
+  <p:clrMapOvr>
+    <a:masterClrMapping/>
+  </p:clrMapOvr>
+</p:sld>
+</file>
+
+<file path=ppt/slides/slide7.xml><?xml version="1.0" encoding="utf-8"?>
+<p:sld xmlns:a="http://schemas.openxmlformats.org/drawingml/2006/main" xmlns:r="http://schemas.openxmlformats.org/officeDocument/2006/relationships" xmlns:p="http://schemas.openxmlformats.org/presentationml/2006/main">
+  <p:cSld>
+    <p:spTree>
+      <p:nvGrpSpPr>
+        <p:cNvPr id="1" name=""/>
+        <p:cNvGrpSpPr/>
+        <p:nvPr/>
+      </p:nvGrpSpPr>
+      <p:grpSpPr>
+        <a:xfrm>
+          <a:off x="0" y="0"/>
+          <a:ext cx="0" cy="0"/>
+          <a:chOff x="0" y="0"/>
+          <a:chExt cx="0" cy="0"/>
+        </a:xfrm>
+      </p:grpSpPr>
+      <p:sp>
+        <p:nvSpPr>
+          <p:cNvPr id="5" name="标题 1">
+            <a:extLst>
+              <a:ext uri="{FF2B5EF4-FFF2-40B4-BE49-F238E27FC236}">
+                <a16:creationId xmlns:a16="http://schemas.microsoft.com/office/drawing/2014/main" id="{D0F30FEF-E699-C6E2-4BB2-9D8B6B92A922}"/>
+              </a:ext>
+            </a:extLst>
+          </p:cNvPr>
+          <p:cNvSpPr>
+            <a:spLocks noGrp="1"/>
+          </p:cNvSpPr>
+          <p:nvPr>
+            <p:ph type="title"/>
+          </p:nvPr>
+        </p:nvSpPr>
+        <p:spPr>
+          <a:xfrm>
+            <a:off x="455944" y="268623"/>
+            <a:ext cx="10515600" cy="527760"/>
+          </a:xfrm>
+        </p:spPr>
+        <p:txBody>
+          <a:bodyPr>
+            <a:normAutofit fontScale="90000"/>
+          </a:bodyPr>
+          <a:lstStyle/>
+          <a:p>
+            <a:r>
+              <a:rPr kumimoji="1" lang="zh-CN" altLang="en-US" dirty="0"/>
+              <a:t>工序基准时间：</a:t>
+            </a:r>
+            <a:r>
+              <a:rPr kumimoji="1" lang="en-US" altLang="zh-CN" dirty="0"/>
+              <a:t>ES</a:t>
+            </a:r>
+            <a:r>
+              <a:rPr kumimoji="1" lang="zh-CN" altLang="en-US" dirty="0"/>
+              <a:t>为例</a:t>
+            </a:r>
+          </a:p>
+        </p:txBody>
+      </p:sp>
+      <p:pic>
+        <p:nvPicPr>
+          <p:cNvPr id="7" name="图片 6">
+            <a:extLst>
+              <a:ext uri="{FF2B5EF4-FFF2-40B4-BE49-F238E27FC236}">
+                <a16:creationId xmlns:a16="http://schemas.microsoft.com/office/drawing/2014/main" id="{083891EB-9A1C-AF6E-CBAA-6BC59A95D33E}"/>
+              </a:ext>
+            </a:extLst>
+          </p:cNvPr>
+          <p:cNvPicPr>
+            <a:picLocks noChangeAspect="1"/>
+          </p:cNvPicPr>
+          <p:nvPr/>
+        </p:nvPicPr>
+        <p:blipFill>
+          <a:blip r:embed="rId2"/>
+          <a:stretch>
+            <a:fillRect/>
+          </a:stretch>
+        </p:blipFill>
+        <p:spPr>
+          <a:xfrm>
+            <a:off x="2413522" y="1044059"/>
+            <a:ext cx="7698665" cy="5685168"/>
+          </a:xfrm>
+          <a:prstGeom prst="rect">
+            <a:avLst/>
+          </a:prstGeom>
+        </p:spPr>
+      </p:pic>
+    </p:spTree>
+    <p:extLst>
+      <p:ext uri="{BB962C8B-B14F-4D97-AF65-F5344CB8AC3E}">
+        <p14:creationId xmlns:p14="http://schemas.microsoft.com/office/powerpoint/2010/main" val="774563085"/>
+      </p:ext>
+    </p:extLst>
+  </p:cSld>
+  <p:clrMapOvr>
+    <a:masterClrMapping/>
+  </p:clrMapOvr>
+</p:sld>
+</file>
+
+<file path=ppt/slides/slide8.xml><?xml version="1.0" encoding="utf-8"?>
+<p:sld xmlns:a="http://schemas.openxmlformats.org/drawingml/2006/main" xmlns:r="http://schemas.openxmlformats.org/officeDocument/2006/relationships" xmlns:p="http://schemas.openxmlformats.org/presentationml/2006/main">
+  <p:cSld>
+    <p:spTree>
+      <p:nvGrpSpPr>
+        <p:cNvPr id="1" name=""/>
+        <p:cNvGrpSpPr/>
+        <p:nvPr/>
+      </p:nvGrpSpPr>
+      <p:grpSpPr>
+        <a:xfrm>
+          <a:off x="0" y="0"/>
+          <a:ext cx="0" cy="0"/>
+          <a:chOff x="0" y="0"/>
+          <a:chExt cx="0" cy="0"/>
+        </a:xfrm>
+      </p:grpSpPr>
+      <p:pic>
+        <p:nvPicPr>
+          <p:cNvPr id="4" name="图片 3">
+            <a:extLst>
+              <a:ext uri="{FF2B5EF4-FFF2-40B4-BE49-F238E27FC236}">
+                <a16:creationId xmlns:a16="http://schemas.microsoft.com/office/drawing/2014/main" id="{6C6DD631-0D4B-7528-2327-B312911368A5}"/>
+              </a:ext>
+            </a:extLst>
+          </p:cNvPr>
+          <p:cNvPicPr>
+            <a:picLocks noChangeAspect="1"/>
+          </p:cNvPicPr>
+          <p:nvPr/>
+        </p:nvPicPr>
+        <p:blipFill>
+          <a:blip r:embed="rId2"/>
+          <a:stretch>
+            <a:fillRect/>
+          </a:stretch>
+        </p:blipFill>
+        <p:spPr>
+          <a:xfrm>
+            <a:off x="3327400" y="1115677"/>
+            <a:ext cx="5537200" cy="5473700"/>
+          </a:xfrm>
+          <a:prstGeom prst="rect">
+            <a:avLst/>
+          </a:prstGeom>
+        </p:spPr>
+      </p:pic>
+      <p:sp>
+        <p:nvSpPr>
+          <p:cNvPr id="5" name="标题 1">
+            <a:extLst>
+              <a:ext uri="{FF2B5EF4-FFF2-40B4-BE49-F238E27FC236}">
+                <a16:creationId xmlns:a16="http://schemas.microsoft.com/office/drawing/2014/main" id="{BB51CD60-EB8F-D559-A07D-468E0524397B}"/>
+              </a:ext>
+            </a:extLst>
+          </p:cNvPr>
+          <p:cNvSpPr>
+            <a:spLocks noGrp="1"/>
+          </p:cNvSpPr>
+          <p:nvPr>
+            <p:ph type="title"/>
+          </p:nvPr>
+        </p:nvSpPr>
+        <p:spPr>
+          <a:xfrm>
+            <a:off x="455944" y="268623"/>
+            <a:ext cx="10515600" cy="527760"/>
+          </a:xfrm>
+        </p:spPr>
+        <p:txBody>
+          <a:bodyPr>
+            <a:normAutofit fontScale="90000"/>
+          </a:bodyPr>
+          <a:lstStyle/>
+          <a:p>
+            <a:r>
+              <a:rPr kumimoji="1" lang="zh-CN" altLang="en-US" dirty="0"/>
+              <a:t>工序基准时间：</a:t>
+            </a:r>
+            <a:r>
+              <a:rPr kumimoji="1" lang="en-US" altLang="zh-CN" dirty="0"/>
+              <a:t>SS</a:t>
+            </a:r>
+            <a:r>
+              <a:rPr kumimoji="1" lang="zh-CN" altLang="en-US" dirty="0"/>
+              <a:t>为例</a:t>
+            </a:r>
+          </a:p>
+        </p:txBody>
+      </p:sp>
+    </p:spTree>
+    <p:extLst>
+      <p:ext uri="{BB962C8B-B14F-4D97-AF65-F5344CB8AC3E}">
+        <p14:creationId xmlns:p14="http://schemas.microsoft.com/office/powerpoint/2010/main" val="2426051091"/>
+      </p:ext>
+    </p:extLst>
+  </p:cSld>
+  <p:clrMapOvr>
+    <a:masterClrMapping/>
+  </p:clrMapOvr>
+</p:sld>
+</file>
+
+<file path=ppt/slides/slide9.xml><?xml version="1.0" encoding="utf-8"?>
+<p:sld xmlns:a="http://schemas.openxmlformats.org/drawingml/2006/main" xmlns:r="http://schemas.openxmlformats.org/officeDocument/2006/relationships" xmlns:p="http://schemas.openxmlformats.org/presentationml/2006/main">
+  <p:cSld>
+    <p:spTree>
+      <p:nvGrpSpPr>
+        <p:cNvPr id="1" name=""/>
+        <p:cNvGrpSpPr/>
+        <p:nvPr/>
+      </p:nvGrpSpPr>
+      <p:grpSpPr>
+        <a:xfrm>
+          <a:off x="0" y="0"/>
+          <a:ext cx="0" cy="0"/>
+          <a:chOff x="0" y="0"/>
+          <a:chExt cx="0" cy="0"/>
+        </a:xfrm>
+      </p:grpSpPr>
+      <p:sp>
+        <p:nvSpPr>
+          <p:cNvPr id="5" name="标题 1">
+            <a:extLst>
+              <a:ext uri="{FF2B5EF4-FFF2-40B4-BE49-F238E27FC236}">
+                <a16:creationId xmlns:a16="http://schemas.microsoft.com/office/drawing/2014/main" id="{5D5A9E28-DEE2-2743-FACD-616953737AFD}"/>
+              </a:ext>
+            </a:extLst>
+          </p:cNvPr>
+          <p:cNvSpPr>
+            <a:spLocks noGrp="1"/>
+          </p:cNvSpPr>
+          <p:nvPr>
+            <p:ph type="title"/>
+          </p:nvPr>
+        </p:nvSpPr>
+        <p:spPr>
+          <a:xfrm>
+            <a:off x="455944" y="268623"/>
+            <a:ext cx="10515600" cy="527760"/>
+          </a:xfrm>
+        </p:spPr>
+        <p:txBody>
+          <a:bodyPr>
+            <a:normAutofit fontScale="90000"/>
+          </a:bodyPr>
+          <a:lstStyle/>
+          <a:p>
+            <a:r>
+              <a:rPr kumimoji="1" lang="zh-CN" altLang="en-US" dirty="0"/>
+              <a:t>工艺路线实例</a:t>
+            </a:r>
+          </a:p>
+        </p:txBody>
+      </p:sp>
+      <p:pic>
+        <p:nvPicPr>
+          <p:cNvPr id="54" name="图片 53">
+            <a:extLst>
+              <a:ext uri="{FF2B5EF4-FFF2-40B4-BE49-F238E27FC236}">
+                <a16:creationId xmlns:a16="http://schemas.microsoft.com/office/drawing/2014/main" id="{9E4083FB-C524-265C-7FC0-5EBB038FA362}"/>
+              </a:ext>
+            </a:extLst>
+          </p:cNvPr>
+          <p:cNvPicPr>
+            <a:picLocks noChangeAspect="1"/>
+          </p:cNvPicPr>
+          <p:nvPr/>
+        </p:nvPicPr>
+        <p:blipFill>
+          <a:blip r:embed="rId2"/>
+          <a:stretch>
+            <a:fillRect/>
+          </a:stretch>
+        </p:blipFill>
+        <p:spPr>
+          <a:xfrm>
+            <a:off x="562773" y="1204028"/>
+            <a:ext cx="11066454" cy="5049271"/>
+          </a:xfrm>
+          <a:prstGeom prst="rect">
+            <a:avLst/>
+          </a:prstGeom>
+        </p:spPr>
+      </p:pic>
+    </p:spTree>
+    <p:extLst>
+      <p:ext uri="{BB962C8B-B14F-4D97-AF65-F5344CB8AC3E}">
+        <p14:creationId xmlns:p14="http://schemas.microsoft.com/office/powerpoint/2010/main" val="4075101243"/>
       </p:ext>
     </p:extLst>
   </p:cSld>
